--- a/2024/Lec/Юнит 13 - SARIMAX.pptx
+++ b/2024/Lec/Юнит 13 - SARIMAX.pptx
@@ -5,7 +5,7 @@
     <p:sldMasterId id="2147483648" r:id="rId1"/>
   </p:sldMasterIdLst>
   <p:notesMasterIdLst>
-    <p:notesMasterId r:id="rId30"/>
+    <p:notesMasterId r:id="rId27"/>
   </p:notesMasterIdLst>
   <p:sldIdLst>
     <p:sldId id="353" r:id="rId2"/>
@@ -33,9 +33,6 @@
     <p:sldId id="375" r:id="rId24"/>
     <p:sldId id="390" r:id="rId25"/>
     <p:sldId id="376" r:id="rId26"/>
-    <p:sldId id="388" r:id="rId27"/>
-    <p:sldId id="389" r:id="rId28"/>
-    <p:sldId id="391" r:id="rId29"/>
   </p:sldIdLst>
   <p:sldSz cx="12192000" cy="6858000"/>
   <p:notesSz cx="6858000" cy="9144000"/>
@@ -224,7 +221,7 @@
           <a:p>
             <a:fld id="{C730246F-5962-E14A-AAF2-985CCFDAC345}" type="datetimeFigureOut">
               <a:rPr lang="ru-RU" smtClean="0"/>
-              <a:t>05.10.2023</a:t>
+              <a:t>28.02.2024</a:t>
             </a:fld>
             <a:endParaRPr lang="ru-RU"/>
           </a:p>
@@ -640,7 +637,7 @@
           <a:p>
             <a:fld id="{44343DC6-30E4-4569-999A-C703F926F2AF}" type="datetimeFigureOut">
               <a:rPr lang="en-US" smtClean="0"/>
-              <a:t>10/5/2023</a:t>
+              <a:t>2/28/2024</a:t>
             </a:fld>
             <a:endParaRPr lang="en-US"/>
           </a:p>
@@ -840,7 +837,7 @@
           <a:p>
             <a:fld id="{44343DC6-30E4-4569-999A-C703F926F2AF}" type="datetimeFigureOut">
               <a:rPr lang="en-US" smtClean="0"/>
-              <a:t>10/5/2023</a:t>
+              <a:t>2/28/2024</a:t>
             </a:fld>
             <a:endParaRPr lang="en-US"/>
           </a:p>
@@ -1050,7 +1047,7 @@
           <a:p>
             <a:fld id="{44343DC6-30E4-4569-999A-C703F926F2AF}" type="datetimeFigureOut">
               <a:rPr lang="en-US" smtClean="0"/>
-              <a:t>10/5/2023</a:t>
+              <a:t>2/28/2024</a:t>
             </a:fld>
             <a:endParaRPr lang="en-US"/>
           </a:p>
@@ -1250,7 +1247,7 @@
           <a:p>
             <a:fld id="{44343DC6-30E4-4569-999A-C703F926F2AF}" type="datetimeFigureOut">
               <a:rPr lang="en-US" smtClean="0"/>
-              <a:t>10/5/2023</a:t>
+              <a:t>2/28/2024</a:t>
             </a:fld>
             <a:endParaRPr lang="en-US"/>
           </a:p>
@@ -1526,7 +1523,7 @@
           <a:p>
             <a:fld id="{44343DC6-30E4-4569-999A-C703F926F2AF}" type="datetimeFigureOut">
               <a:rPr lang="en-US" smtClean="0"/>
-              <a:t>10/5/2023</a:t>
+              <a:t>2/28/2024</a:t>
             </a:fld>
             <a:endParaRPr lang="en-US"/>
           </a:p>
@@ -1794,7 +1791,7 @@
           <a:p>
             <a:fld id="{44343DC6-30E4-4569-999A-C703F926F2AF}" type="datetimeFigureOut">
               <a:rPr lang="en-US" smtClean="0"/>
-              <a:t>10/5/2023</a:t>
+              <a:t>2/28/2024</a:t>
             </a:fld>
             <a:endParaRPr lang="en-US"/>
           </a:p>
@@ -2209,7 +2206,7 @@
           <a:p>
             <a:fld id="{44343DC6-30E4-4569-999A-C703F926F2AF}" type="datetimeFigureOut">
               <a:rPr lang="en-US" smtClean="0"/>
-              <a:t>10/5/2023</a:t>
+              <a:t>2/28/2024</a:t>
             </a:fld>
             <a:endParaRPr lang="en-US"/>
           </a:p>
@@ -2351,7 +2348,7 @@
           <a:p>
             <a:fld id="{44343DC6-30E4-4569-999A-C703F926F2AF}" type="datetimeFigureOut">
               <a:rPr lang="en-US" smtClean="0"/>
-              <a:t>10/5/2023</a:t>
+              <a:t>2/28/2024</a:t>
             </a:fld>
             <a:endParaRPr lang="en-US"/>
           </a:p>
@@ -2464,7 +2461,7 @@
           <a:p>
             <a:fld id="{44343DC6-30E4-4569-999A-C703F926F2AF}" type="datetimeFigureOut">
               <a:rPr lang="en-US" smtClean="0"/>
-              <a:t>10/5/2023</a:t>
+              <a:t>2/28/2024</a:t>
             </a:fld>
             <a:endParaRPr lang="en-US"/>
           </a:p>
@@ -2777,7 +2774,7 @@
           <a:p>
             <a:fld id="{44343DC6-30E4-4569-999A-C703F926F2AF}" type="datetimeFigureOut">
               <a:rPr lang="en-US" smtClean="0"/>
-              <a:t>10/5/2023</a:t>
+              <a:t>2/28/2024</a:t>
             </a:fld>
             <a:endParaRPr lang="en-US"/>
           </a:p>
@@ -3066,7 +3063,7 @@
           <a:p>
             <a:fld id="{44343DC6-30E4-4569-999A-C703F926F2AF}" type="datetimeFigureOut">
               <a:rPr lang="en-US" smtClean="0"/>
-              <a:t>10/5/2023</a:t>
+              <a:t>2/28/2024</a:t>
             </a:fld>
             <a:endParaRPr lang="en-US"/>
           </a:p>
@@ -3309,7 +3306,7 @@
           <a:p>
             <a:fld id="{44343DC6-30E4-4569-999A-C703F926F2AF}" type="datetimeFigureOut">
               <a:rPr lang="en-US" smtClean="0"/>
-              <a:t>10/5/2023</a:t>
+              <a:t>2/28/2024</a:t>
             </a:fld>
             <a:endParaRPr lang="en-US"/>
           </a:p>
@@ -14842,7 +14839,158 @@
                   <a:srgbClr val="000000"/>
                 </a:solidFill>
               </a:rPr>
-              <a:t> обсуждаемой выше модели SARIMA, она обычно рассматривается как несколько других:</a:t>
+              <a:t> обсуждаемой выше модели SARIMA</a:t>
+            </a:r>
+            <a:r>
+              <a:rPr lang="en-US" altLang="en-US" sz="2000" dirty="0" smtClean="0">
+                <a:solidFill>
+                  <a:srgbClr val="000000"/>
+                </a:solidFill>
+              </a:rPr>
+              <a:t>, </a:t>
+            </a:r>
+            <a:r>
+              <a:rPr lang="ru-RU" altLang="en-US" sz="2000" dirty="0" smtClean="0">
+                <a:solidFill>
+                  <a:srgbClr val="000000"/>
+                </a:solidFill>
+              </a:rPr>
+              <a:t>а также </a:t>
+            </a:r>
+            <a:r>
+              <a:rPr lang="en-US" altLang="en-US" sz="2000" dirty="0" smtClean="0">
+                <a:solidFill>
+                  <a:srgbClr val="000000"/>
+                </a:solidFill>
+              </a:rPr>
+              <a:t>AR, MA, ARMA </a:t>
+            </a:r>
+            <a:r>
+              <a:rPr lang="ru-RU" altLang="en-US" sz="2000" dirty="0" smtClean="0">
+                <a:solidFill>
+                  <a:srgbClr val="000000"/>
+                </a:solidFill>
+              </a:rPr>
+              <a:t>и </a:t>
+            </a:r>
+            <a:r>
+              <a:rPr lang="en-US" altLang="en-US" sz="2000" dirty="0" smtClean="0">
+                <a:solidFill>
+                  <a:srgbClr val="000000"/>
+                </a:solidFill>
+              </a:rPr>
+              <a:t>ARIMA </a:t>
+            </a:r>
+            <a:r>
+              <a:rPr lang="en-US" altLang="en-US" sz="2000" dirty="0">
+                <a:solidFill>
+                  <a:srgbClr val="000000"/>
+                </a:solidFill>
+              </a:rPr>
+              <a:t>она обычно рассматривается как несколько других:</a:t>
+            </a:r>
+          </a:p>
+          <a:p>
+            <a:pPr marL="0" lvl="0" indent="0" eaLnBrk="0" fontAlgn="base" hangingPunct="0">
+              <a:lnSpc>
+                <a:spcPct val="100000"/>
+              </a:lnSpc>
+              <a:spcBef>
+                <a:spcPts val="600"/>
+              </a:spcBef>
+              <a:spcAft>
+                <a:spcPts val="600"/>
+              </a:spcAft>
+              <a:buFontTx/>
+              <a:buAutoNum type="arabicPeriod"/>
+            </a:pPr>
+            <a:r>
+              <a:rPr lang="ru-RU" altLang="en-US" sz="2000" b="1" dirty="0" smtClean="0">
+                <a:solidFill>
+                  <a:srgbClr val="000000"/>
+                </a:solidFill>
+              </a:rPr>
+              <a:t> </a:t>
+            </a:r>
+            <a:r>
+              <a:rPr lang="en-US" altLang="en-US" sz="2000" b="1" dirty="0" smtClean="0">
+                <a:solidFill>
+                  <a:srgbClr val="000000"/>
+                </a:solidFill>
+              </a:rPr>
+              <a:t>SARIMAX</a:t>
+            </a:r>
+            <a:r>
+              <a:rPr lang="en-US" altLang="en-US" sz="2000" dirty="0" smtClean="0">
+                <a:solidFill>
+                  <a:srgbClr val="000000"/>
+                </a:solidFill>
+              </a:rPr>
+              <a:t> </a:t>
+            </a:r>
+            <a:r>
+              <a:rPr lang="en-US" altLang="en-US" sz="2000" dirty="0">
+                <a:solidFill>
+                  <a:srgbClr val="000000"/>
+                </a:solidFill>
+              </a:rPr>
+              <a:t>– </a:t>
+            </a:r>
+            <a:r>
+              <a:rPr lang="en-US" altLang="en-US" sz="2000" dirty="0">
+                <a:solidFill>
+                  <a:srgbClr val="000000"/>
+                </a:solidFill>
+              </a:rPr>
+              <a:t>Модель SARIMA с экзогенными </a:t>
+            </a:r>
+            <a:r>
+              <a:rPr lang="en-US" altLang="en-US" sz="2000" dirty="0" err="1">
+                <a:solidFill>
+                  <a:srgbClr val="000000"/>
+                </a:solidFill>
+              </a:rPr>
+              <a:t>добавочными</a:t>
+            </a:r>
+            <a:r>
+              <a:rPr lang="en-US" altLang="en-US" sz="2000" dirty="0">
+                <a:solidFill>
+                  <a:srgbClr val="000000"/>
+                </a:solidFill>
+              </a:rPr>
+              <a:t> </a:t>
+            </a:r>
+            <a:r>
+              <a:rPr lang="en-US" altLang="en-US" sz="2000" dirty="0" err="1" smtClean="0">
+                <a:solidFill>
+                  <a:srgbClr val="000000"/>
+                </a:solidFill>
+              </a:rPr>
+              <a:t>факт</a:t>
+            </a:r>
+            <a:r>
+              <a:rPr lang="ru-RU" altLang="en-US" sz="2000" dirty="0" smtClean="0">
+                <a:solidFill>
+                  <a:srgbClr val="000000"/>
+                </a:solidFill>
+              </a:rPr>
+              <a:t>а</a:t>
+            </a:r>
+            <a:r>
+              <a:rPr lang="en-US" altLang="en-US" sz="2000" dirty="0" err="1" smtClean="0">
+                <a:solidFill>
+                  <a:srgbClr val="000000"/>
+                </a:solidFill>
+              </a:rPr>
+              <a:t>рами</a:t>
+            </a:r>
+            <a:r>
+              <a:rPr lang="en-US" altLang="en-US" sz="2000" dirty="0" smtClean="0">
+                <a:solidFill>
+                  <a:srgbClr val="000000"/>
+                </a:solidFill>
+              </a:rPr>
+              <a:t>.</a:t>
             </a:r>
           </a:p>
           <a:p>
@@ -14860,24 +15008,45 @@
               <a:buAutoNum type="arabicPeriod"/>
             </a:pPr>
             <a:r>
-              <a:rPr lang="en-US" altLang="en-US" sz="2000" b="1" dirty="0">
-                <a:solidFill>
-                  <a:srgbClr val="000000"/>
-                </a:solidFill>
-              </a:rPr>
-              <a:t>SARIMAX</a:t>
-            </a:r>
-            <a:r>
-              <a:rPr lang="en-US" altLang="en-US" sz="2000" dirty="0">
-                <a:solidFill>
-                  <a:srgbClr val="000000"/>
-                </a:solidFill>
-              </a:rPr>
-              <a:t> - Модель SARIMA с экзогенными добавочными факторами.</a:t>
-            </a:r>
-          </a:p>
-          <a:p>
-            <a:pPr marL="0" lvl="0" indent="0" algn="l" rtl="0" eaLnBrk="0" fontAlgn="base" hangingPunct="0">
+              <a:rPr lang="ru-RU" altLang="en-US" sz="2000" b="1" dirty="0" smtClean="0">
+                <a:solidFill>
+                  <a:srgbClr val="000000"/>
+                </a:solidFill>
+              </a:rPr>
+              <a:t> </a:t>
+            </a:r>
+            <a:r>
+              <a:rPr lang="en-US" altLang="en-US" sz="2000" b="1" dirty="0" smtClean="0">
+                <a:solidFill>
+                  <a:srgbClr val="000000"/>
+                </a:solidFill>
+              </a:rPr>
+              <a:t>MSARIMA</a:t>
+            </a:r>
+            <a:r>
+              <a:rPr lang="en-US" altLang="en-US" sz="2000" dirty="0" smtClean="0">
+                <a:solidFill>
+                  <a:srgbClr val="000000"/>
+                </a:solidFill>
+              </a:rPr>
+              <a:t> – </a:t>
+            </a:r>
+            <a:r>
+              <a:rPr lang="ru-RU" altLang="en-US" sz="2000" dirty="0" smtClean="0">
+                <a:solidFill>
+                  <a:srgbClr val="000000"/>
+                </a:solidFill>
+              </a:rPr>
+              <a:t>модель с несколькими сезонными составляющими</a:t>
+            </a:r>
+            <a:endParaRPr lang="en-US" altLang="en-US" sz="2000" dirty="0">
+              <a:solidFill>
+                <a:srgbClr val="000000"/>
+              </a:solidFill>
+            </a:endParaRPr>
+          </a:p>
+          <a:p>
+            <a:pPr marL="0" lvl="0" indent="0" eaLnBrk="0" fontAlgn="base" hangingPunct="0">
               <a:lnSpc>
                 <a:spcPct val="100000"/>
               </a:lnSpc>
@@ -14891,7 +15060,15 @@
               <a:buAutoNum type="arabicPeriod" startAt="2"/>
             </a:pPr>
             <a:r>
-              <a:rPr lang="en-US" altLang="en-US" sz="2000" b="1" dirty="0">
+              <a:rPr lang="ru-RU" altLang="en-US" sz="2000" b="1" dirty="0" smtClean="0">
+                <a:solidFill>
+                  <a:srgbClr val="000000"/>
+                </a:solidFill>
+              </a:rPr>
+              <a:t> </a:t>
+            </a:r>
+            <a:r>
+              <a:rPr lang="en-US" altLang="en-US" sz="2000" b="1" dirty="0" smtClean="0">
                 <a:solidFill>
                   <a:srgbClr val="000000"/>
                 </a:solidFill>
@@ -14899,12 +15076,28 @@
               <a:t>ARIFMA</a:t>
             </a:r>
             <a:r>
+              <a:rPr lang="ru-RU" altLang="en-US" sz="2000" b="1" dirty="0" smtClean="0">
+                <a:solidFill>
+                  <a:srgbClr val="000000"/>
+                </a:solidFill>
+              </a:rPr>
+              <a:t> </a:t>
+            </a:r>
+            <a:r>
               <a:rPr lang="en-US" altLang="en-US" sz="2000" dirty="0">
                 <a:solidFill>
                   <a:srgbClr val="000000"/>
                 </a:solidFill>
               </a:rPr>
-              <a:t>- Модель ARIMA с использованием дробных производных (и дробного интегрирования).</a:t>
+              <a:t>– </a:t>
+            </a:r>
+            <a:r>
+              <a:rPr lang="en-US" altLang="en-US" sz="2000" dirty="0">
+                <a:solidFill>
+                  <a:srgbClr val="000000"/>
+                </a:solidFill>
+              </a:rPr>
+              <a:t>Модель ARIMA с использованием дробных производных (и дробного интегрирования).</a:t>
             </a:r>
           </a:p>
           <a:p>
@@ -14922,12 +15115,28 @@
               <a:buAutoNum type="arabicPeriod" startAt="3"/>
             </a:pPr>
             <a:r>
+              <a:rPr lang="ru-RU" altLang="en-US" sz="2000" b="1" dirty="0" smtClean="0">
+                <a:solidFill>
+                  <a:srgbClr val="000000"/>
+                </a:solidFill>
+              </a:rPr>
+              <a:t> </a:t>
+            </a:r>
+            <a:r>
+              <a:rPr lang="en-US" altLang="en-US" sz="2000" b="1" dirty="0" smtClean="0">
+                <a:solidFill>
+                  <a:srgbClr val="000000"/>
+                </a:solidFill>
+              </a:rPr>
+              <a:t>VAR</a:t>
+            </a:r>
+            <a:r>
               <a:rPr lang="en-US" altLang="en-US" sz="2000" b="1" dirty="0">
                 <a:solidFill>
                   <a:srgbClr val="000000"/>
                 </a:solidFill>
               </a:rPr>
-              <a:t>VAR, VMA, VARMA</a:t>
+              <a:t>, VMA, VARMA</a:t>
             </a:r>
             <a:r>
               <a:rPr lang="en-US" altLang="en-US" sz="2000" dirty="0">
@@ -14935,8 +15144,53 @@
                   <a:srgbClr val="000000"/>
                 </a:solidFill>
               </a:rPr>
-              <a:t> - многомерные модели.</a:t>
-            </a:r>
+              <a:t> </a:t>
+            </a:r>
+            <a:r>
+              <a:rPr lang="en-US" altLang="en-US" sz="2000" dirty="0" smtClean="0">
+                <a:solidFill>
+                  <a:srgbClr val="000000"/>
+                </a:solidFill>
+              </a:rPr>
+              <a:t>– </a:t>
+            </a:r>
+            <a:r>
+              <a:rPr lang="ru-RU" altLang="en-US" sz="2000" dirty="0" smtClean="0">
+                <a:solidFill>
+                  <a:srgbClr val="000000"/>
+                </a:solidFill>
+              </a:rPr>
+              <a:t>М</a:t>
+            </a:r>
+            <a:r>
+              <a:rPr lang="en-US" altLang="en-US" sz="2000" dirty="0" err="1" smtClean="0">
+                <a:solidFill>
+                  <a:srgbClr val="000000"/>
+                </a:solidFill>
+              </a:rPr>
+              <a:t>одели</a:t>
+            </a:r>
+            <a:r>
+              <a:rPr lang="ru-RU" altLang="en-US" sz="2000" dirty="0" smtClean="0">
+                <a:solidFill>
+                  <a:srgbClr val="000000"/>
+                </a:solidFill>
+              </a:rPr>
+              <a:t> многомерных временных рядов</a:t>
+            </a:r>
+            <a:r>
+              <a:rPr lang="en-US" altLang="en-US" sz="2000" dirty="0" smtClean="0">
+                <a:solidFill>
+                  <a:srgbClr val="000000"/>
+                </a:solidFill>
+              </a:rPr>
+              <a:t>.</a:t>
+            </a:r>
+            <a:endParaRPr lang="en-US" altLang="en-US" sz="2000" dirty="0">
+              <a:solidFill>
+                <a:srgbClr val="000000"/>
+              </a:solidFill>
+            </a:endParaRPr>
           </a:p>
           <a:p>
             <a:pPr marL="0" lvl="0" indent="0" eaLnBrk="0" fontAlgn="base" hangingPunct="0">
@@ -14953,12 +15207,84 @@
               <a:buAutoNum type="arabicPeriod" startAt="4"/>
             </a:pPr>
             <a:r>
+              <a:rPr lang="ru-RU" altLang="en-US" sz="2000" b="1" dirty="0" smtClean="0">
+                <a:solidFill>
+                  <a:srgbClr val="000000"/>
+                </a:solidFill>
+              </a:rPr>
+              <a:t> </a:t>
+            </a:r>
+            <a:r>
+              <a:rPr lang="en-US" altLang="en-US" sz="2000" b="1" dirty="0" smtClean="0">
+                <a:solidFill>
+                  <a:srgbClr val="000000"/>
+                </a:solidFill>
+              </a:rPr>
+              <a:t>NAR</a:t>
+            </a:r>
+            <a:r>
               <a:rPr lang="en-US" altLang="en-US" sz="2000" b="1" dirty="0">
                 <a:solidFill>
                   <a:srgbClr val="000000"/>
                 </a:solidFill>
               </a:rPr>
-              <a:t>NAR, NARX, NARMA</a:t>
+              <a:t>, NARX, </a:t>
+            </a:r>
+            <a:r>
+              <a:rPr lang="en-US" altLang="en-US" sz="2000" b="1" dirty="0" smtClean="0">
+                <a:solidFill>
+                  <a:srgbClr val="000000"/>
+                </a:solidFill>
+              </a:rPr>
+              <a:t>NARMA</a:t>
+            </a:r>
+            <a:r>
+              <a:rPr lang="ru-RU" altLang="en-US" sz="2000" b="1" dirty="0" smtClean="0">
+                <a:solidFill>
+                  <a:srgbClr val="000000"/>
+                </a:solidFill>
+              </a:rPr>
+              <a:t>, </a:t>
+            </a:r>
+            <a:r>
+              <a:rPr lang="en-US" altLang="en-US" sz="2000" b="1" dirty="0" err="1" smtClean="0">
+                <a:solidFill>
+                  <a:srgbClr val="000000"/>
+                </a:solidFill>
+              </a:rPr>
+              <a:t>DeepAR</a:t>
+            </a:r>
+            <a:r>
+              <a:rPr lang="en-US" altLang="en-US" sz="2000" dirty="0" smtClean="0">
+                <a:solidFill>
+                  <a:srgbClr val="000000"/>
+                </a:solidFill>
+              </a:rPr>
+              <a:t> -</a:t>
+            </a:r>
+            <a:r>
+              <a:rPr lang="ru-RU" altLang="en-US" sz="2000" dirty="0" smtClean="0">
+                <a:solidFill>
+                  <a:srgbClr val="000000"/>
+                </a:solidFill>
+              </a:rPr>
+              <a:t> </a:t>
+            </a:r>
+            <a:r>
+              <a:rPr lang="en-US" altLang="en-US" sz="2000" dirty="0" err="1" smtClean="0">
+                <a:solidFill>
+                  <a:srgbClr val="000000"/>
+                </a:solidFill>
+              </a:rPr>
+              <a:t>Нелинейный</a:t>
+            </a:r>
+            <a:r>
+              <a:rPr lang="en-US" altLang="en-US" sz="2000" dirty="0" smtClean="0">
+                <a:solidFill>
+                  <a:srgbClr val="000000"/>
+                </a:solidFill>
+              </a:rPr>
+              <a:t> </a:t>
             </a:r>
             <a:r>
               <a:rPr lang="en-US" altLang="en-US" sz="2000" dirty="0">
@@ -14966,7 +15292,23 @@
                   <a:srgbClr val="000000"/>
                 </a:solidFill>
               </a:rPr>
-              <a:t> -Нелинейный AR (NAR), Нелинейный AR с </a:t>
+              <a:t>AR (NAR</a:t>
+            </a:r>
+            <a:r>
+              <a:rPr lang="en-US" altLang="en-US" sz="2000" dirty="0" smtClean="0">
+                <a:solidFill>
+                  <a:srgbClr val="000000"/>
+                </a:solidFill>
+              </a:rPr>
+              <a:t>), </a:t>
+            </a:r>
+            <a:r>
+              <a:rPr lang="en-US" altLang="en-US" sz="2000" dirty="0">
+                <a:solidFill>
+                  <a:srgbClr val="000000"/>
+                </a:solidFill>
+              </a:rPr>
+              <a:t>нелинейный ARMA (NARMA) и </a:t>
             </a:r>
             <a:r>
               <a:rPr lang="en-US" altLang="en-US" sz="2000" dirty="0" err="1">
@@ -14974,7 +15316,7 @@
                   <a:srgbClr val="000000"/>
                 </a:solidFill>
               </a:rPr>
-              <a:t>преувеличенный</a:t>
+              <a:t>так</a:t>
             </a:r>
             <a:r>
               <a:rPr lang="en-US" altLang="en-US" sz="2000" dirty="0">
@@ -14982,7 +15324,7 @@
                   <a:srgbClr val="000000"/>
                 </a:solidFill>
               </a:rPr>
-              <a:t> коэффициенты (NARX), нелинейный ARMA (NARMA) и </a:t>
+              <a:t> </a:t>
             </a:r>
             <a:r>
               <a:rPr lang="en-US" altLang="en-US" sz="2000" dirty="0" err="1">
@@ -14990,10 +15332,41 @@
                   <a:srgbClr val="000000"/>
                 </a:solidFill>
               </a:rPr>
-              <a:t>так</a:t>
-            </a:r>
-            <a:r>
-              <a:rPr lang="en-US" altLang="en-US" sz="2000" dirty="0">
+              <a:t>далее</a:t>
+            </a:r>
+            <a:r>
+              <a:rPr lang="en-US" altLang="en-US" sz="2000" dirty="0" smtClean="0">
+                <a:solidFill>
+                  <a:srgbClr val="000000"/>
+                </a:solidFill>
+              </a:rPr>
+              <a:t>. – </a:t>
+            </a:r>
+            <a:r>
+              <a:rPr lang="ru-RU" altLang="en-US" sz="2000" dirty="0" smtClean="0">
+                <a:solidFill>
+                  <a:srgbClr val="000000"/>
+                </a:solidFill>
+              </a:rPr>
+              <a:t>модели нейронных сетей, вдохновлённые авторегрессий.</a:t>
+            </a:r>
+          </a:p>
+          <a:p>
+            <a:pPr marL="0" lvl="0" indent="0" eaLnBrk="0" fontAlgn="base" hangingPunct="0">
+              <a:lnSpc>
+                <a:spcPct val="100000"/>
+              </a:lnSpc>
+              <a:spcBef>
+                <a:spcPts val="600"/>
+              </a:spcBef>
+              <a:spcAft>
+                <a:spcPts val="600"/>
+              </a:spcAft>
+              <a:buFontTx/>
+              <a:buAutoNum type="arabicPeriod" startAt="4"/>
+            </a:pPr>
+            <a:r>
+              <a:rPr lang="ru-RU" altLang="en-US" sz="2000" dirty="0">
                 <a:solidFill>
                   <a:srgbClr val="000000"/>
                 </a:solidFill>
@@ -15001,21 +15374,70 @@
               <a:t> </a:t>
             </a:r>
             <a:r>
-              <a:rPr lang="en-US" altLang="en-US" sz="2000" dirty="0" err="1">
-                <a:solidFill>
-                  <a:srgbClr val="000000"/>
-                </a:solidFill>
-              </a:rPr>
-              <a:t>далее</a:t>
-            </a:r>
-            <a:r>
-              <a:rPr lang="en-US" altLang="en-US" sz="2000" dirty="0">
-                <a:solidFill>
-                  <a:srgbClr val="000000"/>
-                </a:solidFill>
-              </a:rPr>
-              <a:t>.</a:t>
-            </a:r>
+              <a:rPr lang="en-US" altLang="en-US" sz="2000" b="1" dirty="0" smtClean="0">
+                <a:solidFill>
+                  <a:srgbClr val="000000"/>
+                </a:solidFill>
+              </a:rPr>
+              <a:t>AR-NET</a:t>
+            </a:r>
+            <a:r>
+              <a:rPr lang="en-US" altLang="en-US" sz="2000" dirty="0" smtClean="0">
+                <a:solidFill>
+                  <a:srgbClr val="000000"/>
+                </a:solidFill>
+              </a:rPr>
+              <a:t> – </a:t>
+            </a:r>
+            <a:r>
+              <a:rPr lang="ru-RU" altLang="en-US" sz="2000" dirty="0" smtClean="0">
+                <a:solidFill>
+                  <a:srgbClr val="000000"/>
+                </a:solidFill>
+              </a:rPr>
+              <a:t>модель авторегрессии с регуляризацией и решением методами градиентного спуска (как правило с не квадратичной функцией потерь и более устойчивые к неверному </a:t>
+            </a:r>
+            <a:r>
+              <a:rPr lang="ru-RU" altLang="en-US" sz="2000" dirty="0" err="1" smtClean="0">
+                <a:solidFill>
+                  <a:srgbClr val="000000"/>
+                </a:solidFill>
+              </a:rPr>
+              <a:t>выборпу</a:t>
+            </a:r>
+            <a:r>
+              <a:rPr lang="ru-RU" altLang="en-US" sz="2000" dirty="0" smtClean="0">
+                <a:solidFill>
+                  <a:srgbClr val="000000"/>
+                </a:solidFill>
+              </a:rPr>
+              <a:t> параметров моделей).</a:t>
+            </a:r>
+            <a:endParaRPr lang="ru-RU" altLang="en-US" sz="2000" b="1" dirty="0" smtClean="0">
+              <a:solidFill>
+                <a:srgbClr val="000000"/>
+              </a:solidFill>
+            </a:endParaRPr>
+          </a:p>
+          <a:p>
+            <a:pPr marL="0" lvl="0" indent="0" eaLnBrk="0" fontAlgn="base" hangingPunct="0">
+              <a:lnSpc>
+                <a:spcPct val="100000"/>
+              </a:lnSpc>
+              <a:spcBef>
+                <a:spcPts val="600"/>
+              </a:spcBef>
+              <a:spcAft>
+                <a:spcPts val="600"/>
+              </a:spcAft>
+              <a:buFontTx/>
+              <a:buAutoNum type="arabicPeriod" startAt="4"/>
+            </a:pPr>
+            <a:endParaRPr lang="en-US" altLang="en-US" sz="2000" dirty="0">
+              <a:solidFill>
+                <a:srgbClr val="000000"/>
+              </a:solidFill>
+            </a:endParaRPr>
           </a:p>
           <a:p>
             <a:pPr marL="0" lvl="0" indent="0" algn="l" rtl="0" eaLnBrk="0" fontAlgn="base" hangingPunct="0">
@@ -18215,3395 +18637,6 @@
 </p:sld>
 </file>
 
-<file path=ppt/slides/slide26.xml><?xml version="1.0" encoding="utf-8"?>
-<p:sld xmlns:a="http://schemas.openxmlformats.org/drawingml/2006/main" xmlns:r="http://schemas.openxmlformats.org/officeDocument/2006/relationships" xmlns:p="http://schemas.openxmlformats.org/presentationml/2006/main">
-  <p:cSld>
-    <p:spTree>
-      <p:nvGrpSpPr>
-        <p:cNvPr id="1" name=""/>
-        <p:cNvGrpSpPr/>
-        <p:nvPr/>
-      </p:nvGrpSpPr>
-      <p:grpSpPr>
-        <a:xfrm>
-          <a:off x="0" y="0"/>
-          <a:ext cx="0" cy="0"/>
-          <a:chOff x="0" y="0"/>
-          <a:chExt cx="0" cy="0"/>
-        </a:xfrm>
-      </p:grpSpPr>
-      <p:sp>
-        <p:nvSpPr>
-          <p:cNvPr id="2" name="Заголовок 1">
-            <a:extLst>
-              <a:ext uri="{FF2B5EF4-FFF2-40B4-BE49-F238E27FC236}">
-                <a16:creationId xmlns:a16="http://schemas.microsoft.com/office/drawing/2014/main" id="{E5E18C16-493F-C0F6-1226-B953C44BB2B9}"/>
-              </a:ext>
-            </a:extLst>
-          </p:cNvPr>
-          <p:cNvSpPr>
-            <a:spLocks noGrp="1"/>
-          </p:cNvSpPr>
-          <p:nvPr>
-            <p:ph type="title"/>
-          </p:nvPr>
-        </p:nvSpPr>
-        <p:spPr>
-          <a:xfrm>
-            <a:off x="425824" y="0"/>
-            <a:ext cx="10515600" cy="1325563"/>
-          </a:xfrm>
-        </p:spPr>
-        <p:txBody>
-          <a:bodyPr>
-            <a:normAutofit/>
-          </a:bodyPr>
-          <a:lstStyle/>
-          <a:p>
-            <a:r>
-              <a:rPr lang="ru-RU" sz="4800" b="1" dirty="0"/>
-              <a:t>Вопросы Базовые 1й верно</a:t>
-            </a:r>
-          </a:p>
-        </p:txBody>
-      </p:sp>
-      <mc:AlternateContent xmlns:mc="http://schemas.openxmlformats.org/markup-compatibility/2006" xmlns:a14="http://schemas.microsoft.com/office/drawing/2010/main">
-        <mc:Choice Requires="a14">
-          <p:sp>
-            <p:nvSpPr>
-              <p:cNvPr id="3" name="Объект 2">
-                <a:extLst>
-                  <a:ext uri="{FF2B5EF4-FFF2-40B4-BE49-F238E27FC236}">
-                    <a16:creationId xmlns:a16="http://schemas.microsoft.com/office/drawing/2014/main" id="{BE421393-E6D9-4C04-F323-217F01E33B93}"/>
-                  </a:ext>
-                </a:extLst>
-              </p:cNvPr>
-              <p:cNvSpPr>
-                <a:spLocks noGrp="1"/>
-              </p:cNvSpPr>
-              <p:nvPr>
-                <p:ph idx="1"/>
-              </p:nvPr>
-            </p:nvSpPr>
-            <p:spPr>
-              <a:xfrm>
-                <a:off x="425824" y="948121"/>
-                <a:ext cx="11494994" cy="5728904"/>
-              </a:xfrm>
-            </p:spPr>
-            <p:txBody>
-              <a:bodyPr>
-                <a:normAutofit fontScale="77500" lnSpcReduction="20000"/>
-              </a:bodyPr>
-              <a:lstStyle/>
-              <a:p>
-                <a:pPr>
-                  <a:lnSpc>
-                    <a:spcPct val="120000"/>
-                  </a:lnSpc>
-                  <a:spcBef>
-                    <a:spcPts val="0"/>
-                  </a:spcBef>
-                </a:pPr>
-                <a:r>
-                  <a:rPr lang="en-US" sz="2400" b="1" dirty="0"/>
-                  <a:t>Если </a:t>
-                </a:r>
-                <a:r>
-                  <a:rPr lang="en-US" sz="2400" b="1" dirty="0" err="1"/>
-                  <a:t>модель</a:t>
-                </a:r>
-                <a:r>
-                  <a:rPr lang="en-US" sz="2400" b="1" dirty="0"/>
-                  <a:t> </a:t>
-                </a:r>
-                <a:r>
-                  <a:rPr lang="en-US" sz="2400" b="1" dirty="0" err="1"/>
-                  <a:t>имеет</a:t>
-                </a:r>
-                <a:r>
-                  <a:rPr lang="en-US" sz="2400" b="1" dirty="0"/>
-                  <a:t> </a:t>
-                </a:r>
-                <a:r>
-                  <a:rPr lang="ru-RU" sz="2400" b="1" dirty="0"/>
-                  <a:t>интенсивную</a:t>
-                </a:r>
-                <a:r>
-                  <a:rPr lang="en-US" sz="2400" b="1" dirty="0"/>
-                  <a:t> </a:t>
-                </a:r>
-                <a:r>
-                  <a:rPr lang="en-US" sz="2400" b="1" dirty="0" err="1"/>
-                  <a:t>сезонн</a:t>
-                </a:r>
-                <a:r>
-                  <a:rPr lang="ru-RU" sz="2400" b="1" dirty="0"/>
-                  <a:t>ую составляющую</a:t>
-                </a:r>
-                <a:r>
-                  <a:rPr lang="en-US" sz="2400" b="1" dirty="0"/>
-                  <a:t>, </a:t>
-                </a:r>
-                <a:r>
-                  <a:rPr lang="en-US" sz="2400" b="1" dirty="0" err="1"/>
-                  <a:t>то</a:t>
-                </a:r>
-                <a:r>
-                  <a:rPr lang="en-US" sz="2400" b="1" dirty="0"/>
-                  <a:t> </a:t>
-                </a:r>
-                <a:r>
-                  <a:rPr lang="en-US" sz="2400" b="1" dirty="0" err="1"/>
-                  <a:t>она</a:t>
-                </a:r>
-                <a:r>
-                  <a:rPr lang="en-US" sz="2400" b="1" dirty="0"/>
-                  <a:t> </a:t>
-                </a:r>
-                <a:r>
-                  <a:rPr lang="en-US" sz="2400" b="1" dirty="0" err="1"/>
-                  <a:t>может</a:t>
-                </a:r>
-                <a:r>
-                  <a:rPr lang="en-US" sz="2400" b="1" dirty="0"/>
-                  <a:t> </a:t>
-                </a:r>
-                <a:r>
-                  <a:rPr lang="en-US" sz="2400" b="1" dirty="0" err="1"/>
-                  <a:t>быть</a:t>
-                </a:r>
-                <a:r>
-                  <a:rPr lang="en-US" sz="2400" b="1" dirty="0"/>
-                  <a:t> </a:t>
-                </a:r>
-                <a:r>
-                  <a:rPr lang="en-US" sz="2400" b="1" dirty="0" err="1"/>
-                  <a:t>компенсирована</a:t>
-                </a:r>
-                <a:r>
-                  <a:rPr lang="en-US" sz="2400" b="1" dirty="0"/>
-                  <a:t> </a:t>
-                </a:r>
-                <a:endParaRPr lang="ru-RU" sz="2400" b="1" dirty="0"/>
-              </a:p>
-              <a:p>
-                <a:pPr marL="457200" indent="-457200">
-                  <a:lnSpc>
-                    <a:spcPct val="120000"/>
-                  </a:lnSpc>
-                  <a:spcBef>
-                    <a:spcPts val="0"/>
-                  </a:spcBef>
-                  <a:buFont typeface="+mj-lt"/>
-                  <a:buAutoNum type="arabicPeriod"/>
-                </a:pPr>
-                <a:r>
-                  <a:rPr lang="ru-RU" sz="2300" dirty="0">
-                    <a:ea typeface="Calibri" panose="020F0502020204030204" pitchFamily="34" charset="0"/>
-                    <a:cs typeface="Times New Roman" panose="02020603050405020304" pitchFamily="18" charset="0"/>
-                  </a:rPr>
-                  <a:t>Сезонной производной</a:t>
-                </a:r>
-              </a:p>
-              <a:p>
-                <a:pPr marL="514350" indent="-514350">
-                  <a:lnSpc>
-                    <a:spcPct val="120000"/>
-                  </a:lnSpc>
-                  <a:spcBef>
-                    <a:spcPts val="0"/>
-                  </a:spcBef>
-                  <a:buFont typeface="+mj-lt"/>
-                  <a:buAutoNum type="arabicPeriod"/>
-                </a:pPr>
-                <a:r>
-                  <a:rPr lang="ru-RU" sz="2300" dirty="0">
-                    <a:ea typeface="Calibri" panose="020F0502020204030204" pitchFamily="34" charset="0"/>
-                    <a:cs typeface="Times New Roman" panose="02020603050405020304" pitchFamily="18" charset="0"/>
-                  </a:rPr>
-                  <a:t>Обычной производной</a:t>
-                </a:r>
-              </a:p>
-              <a:p>
-                <a:pPr marL="514350" indent="-514350">
-                  <a:lnSpc>
-                    <a:spcPct val="120000"/>
-                  </a:lnSpc>
-                  <a:spcBef>
-                    <a:spcPts val="0"/>
-                  </a:spcBef>
-                  <a:buFont typeface="+mj-lt"/>
-                  <a:buAutoNum type="arabicPeriod"/>
-                </a:pPr>
-                <a:r>
-                  <a:rPr lang="ru-RU" sz="2300" dirty="0">
-                    <a:ea typeface="Calibri" panose="020F0502020204030204" pitchFamily="34" charset="0"/>
-                    <a:cs typeface="Times New Roman" panose="02020603050405020304" pitchFamily="18" charset="0"/>
-                  </a:rPr>
-                  <a:t>Сезонным интегрированием  </a:t>
-                </a:r>
-              </a:p>
-              <a:p>
-                <a:pPr marL="514350" indent="-514350">
-                  <a:lnSpc>
-                    <a:spcPct val="120000"/>
-                  </a:lnSpc>
-                  <a:spcBef>
-                    <a:spcPts val="0"/>
-                  </a:spcBef>
-                  <a:buFont typeface="+mj-lt"/>
-                  <a:buAutoNum type="arabicPeriod"/>
-                </a:pPr>
-                <a:r>
-                  <a:rPr lang="ru-RU" sz="2300" dirty="0">
-                    <a:ea typeface="Calibri" panose="020F0502020204030204" pitchFamily="34" charset="0"/>
-                    <a:cs typeface="Times New Roman" panose="02020603050405020304" pitchFamily="18" charset="0"/>
-                  </a:rPr>
-                  <a:t>Обычным интегрированием </a:t>
-                </a:r>
-              </a:p>
-              <a:p>
-                <a:pPr>
-                  <a:lnSpc>
-                    <a:spcPct val="120000"/>
-                  </a:lnSpc>
-                  <a:spcBef>
-                    <a:spcPts val="0"/>
-                  </a:spcBef>
-                </a:pPr>
-                <a:r>
-                  <a:rPr lang="ru-RU" sz="2400" b="1" dirty="0"/>
-                  <a:t>В обозначении модели </a:t>
-                </a:r>
-                <a14:m>
-                  <m:oMath xmlns:m="http://schemas.openxmlformats.org/officeDocument/2006/math">
-                    <m:r>
-                      <a:rPr lang="en-US" sz="2400" i="1" dirty="0" smtClean="0">
-                        <a:latin typeface="Cambria Math" panose="02040503050406030204" pitchFamily="18" charset="0"/>
-                      </a:rPr>
-                      <m:t>𝑆𝐴𝑅𝐼𝑀𝐴</m:t>
-                    </m:r>
-                    <m:d>
-                      <m:dPr>
-                        <m:ctrlPr>
-                          <a:rPr lang="en-US" sz="2400" i="1" dirty="0" smtClean="0">
-                            <a:latin typeface="Cambria Math" panose="02040503050406030204" pitchFamily="18" charset="0"/>
-                          </a:rPr>
-                        </m:ctrlPr>
-                      </m:dPr>
-                      <m:e>
-                        <m:r>
-                          <a:rPr lang="en-US" sz="2400" i="1" dirty="0" err="1">
-                            <a:latin typeface="Cambria Math" panose="02040503050406030204" pitchFamily="18" charset="0"/>
-                          </a:rPr>
-                          <m:t>𝑝</m:t>
-                        </m:r>
-                        <m:r>
-                          <a:rPr lang="en-US" sz="2400" i="1" dirty="0" err="1">
-                            <a:latin typeface="Cambria Math" panose="02040503050406030204" pitchFamily="18" charset="0"/>
-                          </a:rPr>
-                          <m:t>,</m:t>
-                        </m:r>
-                        <m:r>
-                          <a:rPr lang="en-US" sz="2400" i="1" dirty="0" err="1">
-                            <a:latin typeface="Cambria Math" panose="02040503050406030204" pitchFamily="18" charset="0"/>
-                          </a:rPr>
-                          <m:t>𝑑</m:t>
-                        </m:r>
-                        <m:r>
-                          <a:rPr lang="en-US" sz="2400" i="1" dirty="0" err="1">
-                            <a:latin typeface="Cambria Math" panose="02040503050406030204" pitchFamily="18" charset="0"/>
-                          </a:rPr>
-                          <m:t>,</m:t>
-                        </m:r>
-                        <m:r>
-                          <a:rPr lang="en-US" sz="2400" i="1" dirty="0" err="1">
-                            <a:latin typeface="Cambria Math" panose="02040503050406030204" pitchFamily="18" charset="0"/>
-                          </a:rPr>
-                          <m:t>𝑞</m:t>
-                        </m:r>
-                      </m:e>
-                    </m:d>
-                    <m:r>
-                      <a:rPr lang="en-US" sz="2400" i="1" dirty="0" smtClean="0">
-                        <a:latin typeface="Cambria Math" panose="02040503050406030204" pitchFamily="18" charset="0"/>
-                      </a:rPr>
-                      <m:t>×</m:t>
-                    </m:r>
-                    <m:r>
-                      <a:rPr lang="en-US" sz="2400" i="1" dirty="0">
-                        <a:latin typeface="Cambria Math" panose="02040503050406030204" pitchFamily="18" charset="0"/>
-                      </a:rPr>
-                      <m:t>(</m:t>
-                    </m:r>
-                    <m:r>
-                      <a:rPr lang="en-US" sz="2400" i="1" dirty="0">
-                        <a:latin typeface="Cambria Math" panose="02040503050406030204" pitchFamily="18" charset="0"/>
-                      </a:rPr>
-                      <m:t>𝑃</m:t>
-                    </m:r>
-                    <m:r>
-                      <a:rPr lang="en-US" sz="2400" i="1" dirty="0">
-                        <a:latin typeface="Cambria Math" panose="02040503050406030204" pitchFamily="18" charset="0"/>
-                      </a:rPr>
-                      <m:t>,</m:t>
-                    </m:r>
-                    <m:r>
-                      <a:rPr lang="en-US" sz="2400" i="1" dirty="0">
-                        <a:latin typeface="Cambria Math" panose="02040503050406030204" pitchFamily="18" charset="0"/>
-                      </a:rPr>
-                      <m:t>𝐷</m:t>
-                    </m:r>
-                    <m:r>
-                      <a:rPr lang="en-US" sz="2400" i="1" dirty="0">
-                        <a:latin typeface="Cambria Math" panose="02040503050406030204" pitchFamily="18" charset="0"/>
-                      </a:rPr>
-                      <m:t>,</m:t>
-                    </m:r>
-                    <m:r>
-                      <a:rPr lang="en-US" sz="2400" i="1" dirty="0">
-                        <a:latin typeface="Cambria Math" panose="02040503050406030204" pitchFamily="18" charset="0"/>
-                      </a:rPr>
-                      <m:t>𝑄</m:t>
-                    </m:r>
-                    <m:r>
-                      <a:rPr lang="en-US" sz="2400" i="1" dirty="0">
-                        <a:latin typeface="Cambria Math" panose="02040503050406030204" pitchFamily="18" charset="0"/>
-                      </a:rPr>
-                      <m:t>,</m:t>
-                    </m:r>
-                    <m:r>
-                      <a:rPr lang="en-US" sz="2400" i="1" dirty="0">
-                        <a:latin typeface="Cambria Math" panose="02040503050406030204" pitchFamily="18" charset="0"/>
-                      </a:rPr>
-                      <m:t>𝑠</m:t>
-                    </m:r>
-                    <m:r>
-                      <a:rPr lang="en-US" sz="2400" i="1" dirty="0" smtClean="0">
-                        <a:latin typeface="Cambria Math" panose="02040503050406030204" pitchFamily="18" charset="0"/>
-                      </a:rPr>
-                      <m:t>)</m:t>
-                    </m:r>
-                  </m:oMath>
-                </a14:m>
-                <a:r>
-                  <a:rPr lang="ru-RU" sz="2400" dirty="0"/>
-                  <a:t> сезонные порядки это</a:t>
-                </a:r>
-                <a:endParaRPr lang="ru-RU" sz="2300" b="1" dirty="0">
-                  <a:ea typeface="Calibri" panose="020F0502020204030204" pitchFamily="34" charset="0"/>
-                  <a:cs typeface="Times New Roman" panose="02020603050405020304" pitchFamily="18" charset="0"/>
-                </a:endParaRPr>
-              </a:p>
-              <a:p>
-                <a:pPr marL="514350" indent="-514350">
-                  <a:lnSpc>
-                    <a:spcPct val="120000"/>
-                  </a:lnSpc>
-                  <a:spcBef>
-                    <a:spcPts val="0"/>
-                  </a:spcBef>
-                  <a:buFont typeface="+mj-lt"/>
-                  <a:buAutoNum type="arabicPeriod"/>
-                </a:pPr>
-                <a14:m>
-                  <m:oMath xmlns:m="http://schemas.openxmlformats.org/officeDocument/2006/math">
-                    <m:r>
-                      <a:rPr lang="en-US" sz="2000" i="1" dirty="0" smtClean="0">
-                        <a:latin typeface="Cambria Math" panose="02040503050406030204" pitchFamily="18" charset="0"/>
-                      </a:rPr>
-                      <m:t>(</m:t>
-                    </m:r>
-                    <m:r>
-                      <a:rPr lang="en-US" sz="2000" i="1" dirty="0" smtClean="0">
-                        <a:latin typeface="Cambria Math" panose="02040503050406030204" pitchFamily="18" charset="0"/>
-                      </a:rPr>
-                      <m:t>𝑃</m:t>
-                    </m:r>
-                    <m:r>
-                      <a:rPr lang="en-US" sz="2000" i="1" dirty="0" smtClean="0">
-                        <a:latin typeface="Cambria Math" panose="02040503050406030204" pitchFamily="18" charset="0"/>
-                      </a:rPr>
-                      <m:t>,</m:t>
-                    </m:r>
-                    <m:r>
-                      <a:rPr lang="en-US" sz="2000" i="1" dirty="0" smtClean="0">
-                        <a:latin typeface="Cambria Math" panose="02040503050406030204" pitchFamily="18" charset="0"/>
-                      </a:rPr>
-                      <m:t>𝐷</m:t>
-                    </m:r>
-                    <m:r>
-                      <a:rPr lang="en-US" sz="2000" i="1" dirty="0" smtClean="0">
-                        <a:latin typeface="Cambria Math" panose="02040503050406030204" pitchFamily="18" charset="0"/>
-                      </a:rPr>
-                      <m:t>,</m:t>
-                    </m:r>
-                    <m:r>
-                      <a:rPr lang="en-US" sz="2000" i="1" dirty="0" smtClean="0">
-                        <a:latin typeface="Cambria Math" panose="02040503050406030204" pitchFamily="18" charset="0"/>
-                      </a:rPr>
-                      <m:t>𝑄</m:t>
-                    </m:r>
-                    <m:r>
-                      <a:rPr lang="en-US" sz="2000" i="1" dirty="0" smtClean="0">
-                        <a:latin typeface="Cambria Math" panose="02040503050406030204" pitchFamily="18" charset="0"/>
-                      </a:rPr>
-                      <m:t>,</m:t>
-                    </m:r>
-                    <m:r>
-                      <a:rPr lang="en-US" sz="2000" i="1" dirty="0" smtClean="0">
-                        <a:latin typeface="Cambria Math" panose="02040503050406030204" pitchFamily="18" charset="0"/>
-                      </a:rPr>
-                      <m:t>𝑠</m:t>
-                    </m:r>
-                    <m:r>
-                      <a:rPr lang="en-US" sz="2000" i="1" dirty="0" smtClean="0">
-                        <a:latin typeface="Cambria Math" panose="02040503050406030204" pitchFamily="18" charset="0"/>
-                      </a:rPr>
-                      <m:t>)</m:t>
-                    </m:r>
-                  </m:oMath>
-                </a14:m>
-                <a:r>
-                  <a:rPr lang="ru-RU" sz="2000" dirty="0"/>
-                  <a:t>  </a:t>
-                </a:r>
-                <a:r>
-                  <a:rPr lang="ru-RU" sz="2000" dirty="0">
-                    <a:ea typeface="Calibri" panose="020F0502020204030204" pitchFamily="34" charset="0"/>
-                    <a:cs typeface="Times New Roman" panose="02020603050405020304" pitchFamily="18" charset="0"/>
-                  </a:rPr>
-                  <a:t> </a:t>
-                </a:r>
-                <a:endParaRPr lang="ru-RU" sz="2300" dirty="0">
-                  <a:ea typeface="Calibri" panose="020F0502020204030204" pitchFamily="34" charset="0"/>
-                  <a:cs typeface="Times New Roman" panose="02020603050405020304" pitchFamily="18" charset="0"/>
-                </a:endParaRPr>
-              </a:p>
-              <a:p>
-                <a:pPr marL="514350" indent="-514350">
-                  <a:lnSpc>
-                    <a:spcPct val="120000"/>
-                  </a:lnSpc>
-                  <a:spcBef>
-                    <a:spcPts val="0"/>
-                  </a:spcBef>
-                  <a:buFont typeface="+mj-lt"/>
-                  <a:buAutoNum type="arabicPeriod"/>
-                </a:pPr>
-                <a14:m>
-                  <m:oMath xmlns:m="http://schemas.openxmlformats.org/officeDocument/2006/math">
-                    <m:d>
-                      <m:dPr>
-                        <m:ctrlPr>
-                          <a:rPr lang="en-US" sz="2000" i="1" dirty="0" smtClean="0">
-                            <a:latin typeface="Cambria Math" panose="02040503050406030204" pitchFamily="18" charset="0"/>
-                          </a:rPr>
-                        </m:ctrlPr>
-                      </m:dPr>
-                      <m:e>
-                        <m:r>
-                          <a:rPr lang="en-US" sz="2000" i="1" dirty="0" err="1">
-                            <a:latin typeface="Cambria Math" panose="02040503050406030204" pitchFamily="18" charset="0"/>
-                          </a:rPr>
-                          <m:t>𝑝</m:t>
-                        </m:r>
-                        <m:r>
-                          <a:rPr lang="en-US" sz="2000" i="1" dirty="0" err="1">
-                            <a:latin typeface="Cambria Math" panose="02040503050406030204" pitchFamily="18" charset="0"/>
-                          </a:rPr>
-                          <m:t>,</m:t>
-                        </m:r>
-                        <m:r>
-                          <a:rPr lang="en-US" sz="2000" i="1" dirty="0" err="1">
-                            <a:latin typeface="Cambria Math" panose="02040503050406030204" pitchFamily="18" charset="0"/>
-                          </a:rPr>
-                          <m:t>𝑑</m:t>
-                        </m:r>
-                        <m:r>
-                          <a:rPr lang="en-US" sz="2000" i="1" dirty="0" err="1">
-                            <a:latin typeface="Cambria Math" panose="02040503050406030204" pitchFamily="18" charset="0"/>
-                          </a:rPr>
-                          <m:t>,</m:t>
-                        </m:r>
-                        <m:r>
-                          <a:rPr lang="en-US" sz="2000" i="1" dirty="0" err="1">
-                            <a:latin typeface="Cambria Math" panose="02040503050406030204" pitchFamily="18" charset="0"/>
-                          </a:rPr>
-                          <m:t>𝑞</m:t>
-                        </m:r>
-                      </m:e>
-                    </m:d>
-                    <m:r>
-                      <a:rPr lang="en-US" sz="2000" i="1" dirty="0" err="1">
-                        <a:latin typeface="Cambria Math" panose="02040503050406030204" pitchFamily="18" charset="0"/>
-                      </a:rPr>
-                      <m:t> </m:t>
-                    </m:r>
-                  </m:oMath>
-                </a14:m>
-                <a:endParaRPr lang="ru-RU" sz="2300" dirty="0">
-                  <a:ea typeface="Calibri" panose="020F0502020204030204" pitchFamily="34" charset="0"/>
-                  <a:cs typeface="Times New Roman" panose="02020603050405020304" pitchFamily="18" charset="0"/>
-                </a:endParaRPr>
-              </a:p>
-              <a:p>
-                <a:pPr marL="514350" indent="-514350">
-                  <a:lnSpc>
-                    <a:spcPct val="120000"/>
-                  </a:lnSpc>
-                  <a:spcBef>
-                    <a:spcPts val="0"/>
-                  </a:spcBef>
-                  <a:buFont typeface="+mj-lt"/>
-                  <a:buAutoNum type="arabicPeriod"/>
-                </a:pPr>
-                <a:r>
-                  <a:rPr lang="en-US" sz="2300" dirty="0">
-                    <a:ea typeface="Calibri" panose="020F0502020204030204" pitchFamily="34" charset="0"/>
-                    <a:cs typeface="Times New Roman" panose="02020603050405020304" pitchFamily="18" charset="0"/>
-                  </a:rPr>
-                  <a:t> </a:t>
-                </a:r>
-                <a14:m>
-                  <m:oMath xmlns:m="http://schemas.openxmlformats.org/officeDocument/2006/math">
-                    <m:r>
-                      <a:rPr lang="en-US" sz="2400" i="1" dirty="0" smtClean="0">
-                        <a:latin typeface="Cambria Math" panose="02040503050406030204" pitchFamily="18" charset="0"/>
-                      </a:rPr>
-                      <m:t>𝑠</m:t>
-                    </m:r>
-                    <m:r>
-                      <a:rPr lang="en-US" sz="2400" i="1" dirty="0" smtClean="0">
-                        <a:latin typeface="Cambria Math" panose="02040503050406030204" pitchFamily="18" charset="0"/>
-                      </a:rPr>
-                      <m:t> </m:t>
-                    </m:r>
-                  </m:oMath>
-                </a14:m>
-                <a:endParaRPr lang="en-US" sz="2400" i="1" dirty="0">
-                  <a:latin typeface="Cambria Math" panose="02040503050406030204" pitchFamily="18" charset="0"/>
-                </a:endParaRPr>
-              </a:p>
-              <a:p>
-                <a:pPr marL="514350" indent="-514350">
-                  <a:lnSpc>
-                    <a:spcPct val="120000"/>
-                  </a:lnSpc>
-                  <a:spcBef>
-                    <a:spcPts val="0"/>
-                  </a:spcBef>
-                  <a:buFont typeface="+mj-lt"/>
-                  <a:buAutoNum type="arabicPeriod"/>
-                </a:pPr>
-                <a14:m>
-                  <m:oMath xmlns:m="http://schemas.openxmlformats.org/officeDocument/2006/math">
-                    <m:d>
-                      <m:dPr>
-                        <m:ctrlPr>
-                          <a:rPr lang="en-US" sz="2000" i="1" dirty="0" smtClean="0">
-                            <a:latin typeface="Cambria Math" panose="02040503050406030204" pitchFamily="18" charset="0"/>
-                          </a:rPr>
-                        </m:ctrlPr>
-                      </m:dPr>
-                      <m:e>
-                        <m:r>
-                          <a:rPr lang="en-US" sz="2000" i="1" dirty="0" err="1">
-                            <a:latin typeface="Cambria Math" panose="02040503050406030204" pitchFamily="18" charset="0"/>
-                          </a:rPr>
-                          <m:t>𝑝</m:t>
-                        </m:r>
-                        <m:r>
-                          <a:rPr lang="en-US" sz="2000" i="1" dirty="0" err="1">
-                            <a:latin typeface="Cambria Math" panose="02040503050406030204" pitchFamily="18" charset="0"/>
-                          </a:rPr>
-                          <m:t>,</m:t>
-                        </m:r>
-                        <m:r>
-                          <a:rPr lang="en-US" sz="2000" i="1" dirty="0" err="1">
-                            <a:latin typeface="Cambria Math" panose="02040503050406030204" pitchFamily="18" charset="0"/>
-                          </a:rPr>
-                          <m:t>𝑑</m:t>
-                        </m:r>
-                        <m:r>
-                          <a:rPr lang="en-US" sz="2000" i="1" dirty="0" err="1">
-                            <a:latin typeface="Cambria Math" panose="02040503050406030204" pitchFamily="18" charset="0"/>
-                          </a:rPr>
-                          <m:t>,</m:t>
-                        </m:r>
-                        <m:r>
-                          <a:rPr lang="en-US" sz="2000" i="1" dirty="0" err="1">
-                            <a:latin typeface="Cambria Math" panose="02040503050406030204" pitchFamily="18" charset="0"/>
-                          </a:rPr>
-                          <m:t>𝑞</m:t>
-                        </m:r>
-                      </m:e>
-                    </m:d>
-                    <m:r>
-                      <a:rPr lang="en-US" sz="2000" i="1" dirty="0" smtClean="0">
-                        <a:latin typeface="Cambria Math" panose="02040503050406030204" pitchFamily="18" charset="0"/>
-                      </a:rPr>
-                      <m:t>×</m:t>
-                    </m:r>
-                    <m:r>
-                      <a:rPr lang="en-US" sz="2000" i="1" dirty="0">
-                        <a:latin typeface="Cambria Math" panose="02040503050406030204" pitchFamily="18" charset="0"/>
-                      </a:rPr>
-                      <m:t>(</m:t>
-                    </m:r>
-                    <m:r>
-                      <a:rPr lang="en-US" sz="2000" i="1" dirty="0">
-                        <a:latin typeface="Cambria Math" panose="02040503050406030204" pitchFamily="18" charset="0"/>
-                      </a:rPr>
-                      <m:t>𝑃</m:t>
-                    </m:r>
-                    <m:r>
-                      <a:rPr lang="en-US" sz="2000" i="1" dirty="0">
-                        <a:latin typeface="Cambria Math" panose="02040503050406030204" pitchFamily="18" charset="0"/>
-                      </a:rPr>
-                      <m:t>,</m:t>
-                    </m:r>
-                    <m:r>
-                      <a:rPr lang="en-US" sz="2000" i="1" dirty="0">
-                        <a:latin typeface="Cambria Math" panose="02040503050406030204" pitchFamily="18" charset="0"/>
-                      </a:rPr>
-                      <m:t>𝐷</m:t>
-                    </m:r>
-                    <m:r>
-                      <a:rPr lang="en-US" sz="2000" i="1" dirty="0">
-                        <a:latin typeface="Cambria Math" panose="02040503050406030204" pitchFamily="18" charset="0"/>
-                      </a:rPr>
-                      <m:t>,</m:t>
-                    </m:r>
-                    <m:r>
-                      <a:rPr lang="en-US" sz="2000" i="1" dirty="0">
-                        <a:latin typeface="Cambria Math" panose="02040503050406030204" pitchFamily="18" charset="0"/>
-                      </a:rPr>
-                      <m:t>𝑄</m:t>
-                    </m:r>
-                    <m:r>
-                      <a:rPr lang="en-US" sz="2000" i="1" dirty="0">
-                        <a:latin typeface="Cambria Math" panose="02040503050406030204" pitchFamily="18" charset="0"/>
-                      </a:rPr>
-                      <m:t>,</m:t>
-                    </m:r>
-                    <m:r>
-                      <a:rPr lang="en-US" sz="2000" i="1" dirty="0">
-                        <a:latin typeface="Cambria Math" panose="02040503050406030204" pitchFamily="18" charset="0"/>
-                      </a:rPr>
-                      <m:t>𝑠</m:t>
-                    </m:r>
-                    <m:r>
-                      <a:rPr lang="en-US" sz="2000" i="1" dirty="0" smtClean="0">
-                        <a:latin typeface="Cambria Math" panose="02040503050406030204" pitchFamily="18" charset="0"/>
-                      </a:rPr>
-                      <m:t>) </m:t>
-                    </m:r>
-                  </m:oMath>
-                </a14:m>
-                <a:r>
-                  <a:rPr lang="en-US" sz="2300" dirty="0">
-                    <a:ea typeface="Calibri" panose="020F0502020204030204" pitchFamily="34" charset="0"/>
-                    <a:cs typeface="Times New Roman" panose="02020603050405020304" pitchFamily="18" charset="0"/>
-                  </a:rPr>
-                  <a:t> </a:t>
-                </a:r>
-                <a:endParaRPr lang="ru-RU" sz="2300" dirty="0">
-                  <a:ea typeface="Calibri" panose="020F0502020204030204" pitchFamily="34" charset="0"/>
-                  <a:cs typeface="Times New Roman" panose="02020603050405020304" pitchFamily="18" charset="0"/>
-                </a:endParaRPr>
-              </a:p>
-              <a:p>
-                <a:pPr>
-                  <a:lnSpc>
-                    <a:spcPct val="120000"/>
-                  </a:lnSpc>
-                  <a:spcBef>
-                    <a:spcPts val="0"/>
-                  </a:spcBef>
-                </a:pPr>
-                <a:r>
-                  <a:rPr lang="ru-RU" sz="2400" b="1" dirty="0">
-                    <a:ea typeface="Calibri" panose="020F0502020204030204" pitchFamily="34" charset="0"/>
-                    <a:cs typeface="Times New Roman" panose="02020603050405020304" pitchFamily="18" charset="0"/>
-                  </a:rPr>
-                  <a:t>П</a:t>
-                </a:r>
-                <a:r>
-                  <a:rPr lang="en-US" sz="2400" b="1" dirty="0" err="1">
-                    <a:ea typeface="Calibri" panose="020F0502020204030204" pitchFamily="34" charset="0"/>
-                    <a:cs typeface="Times New Roman" panose="02020603050405020304" pitchFamily="18" charset="0"/>
-                  </a:rPr>
-                  <a:t>ри</a:t>
-                </a:r>
-                <a:r>
-                  <a:rPr lang="ru-RU" sz="2400" b="1" dirty="0">
-                    <a:ea typeface="Calibri" panose="020F0502020204030204" pitchFamily="34" charset="0"/>
-                    <a:cs typeface="Times New Roman" panose="02020603050405020304" pitchFamily="18" charset="0"/>
-                  </a:rPr>
-                  <a:t> оценке порядка </a:t>
-                </a:r>
-                <a:r>
-                  <a:rPr lang="en-US" sz="2400" b="1" dirty="0">
-                    <a:ea typeface="Calibri" panose="020F0502020204030204" pitchFamily="34" charset="0"/>
-                    <a:cs typeface="Times New Roman" panose="02020603050405020304" pitchFamily="18" charset="0"/>
-                  </a:rPr>
-                  <a:t>SARIMA k – </a:t>
-                </a:r>
-                <a:r>
-                  <a:rPr lang="ru-RU" sz="2400" b="1" dirty="0">
-                    <a:ea typeface="Calibri" panose="020F0502020204030204" pitchFamily="34" charset="0"/>
-                    <a:cs typeface="Times New Roman" panose="02020603050405020304" pitchFamily="18" charset="0"/>
-                  </a:rPr>
-                  <a:t>это</a:t>
-                </a:r>
-                <a:endParaRPr lang="ru-RU" sz="2300" dirty="0">
-                  <a:ea typeface="Calibri" panose="020F0502020204030204" pitchFamily="34" charset="0"/>
-                  <a:cs typeface="Times New Roman" panose="02020603050405020304" pitchFamily="18" charset="0"/>
-                </a:endParaRPr>
-              </a:p>
-              <a:p>
-                <a:pPr marL="514350" indent="-514350">
-                  <a:lnSpc>
-                    <a:spcPct val="120000"/>
-                  </a:lnSpc>
-                  <a:spcBef>
-                    <a:spcPts val="0"/>
-                  </a:spcBef>
-                  <a:buFont typeface="+mj-lt"/>
-                  <a:buAutoNum type="arabicPeriod"/>
-                </a:pPr>
-                <a:r>
-                  <a:rPr lang="ru-RU" sz="2300" dirty="0">
-                    <a:ea typeface="Calibri" panose="020F0502020204030204" pitchFamily="34" charset="0"/>
-                    <a:cs typeface="Times New Roman" panose="02020603050405020304" pitchFamily="18" charset="0"/>
-                  </a:rPr>
-                  <a:t>𝑝+𝑞+𝑑+𝑃+𝑄+𝐷+1 </a:t>
-                </a:r>
-              </a:p>
-              <a:p>
-                <a:pPr marL="514350" indent="-514350">
-                  <a:lnSpc>
-                    <a:spcPct val="120000"/>
-                  </a:lnSpc>
-                  <a:spcBef>
-                    <a:spcPts val="0"/>
-                  </a:spcBef>
-                  <a:buFont typeface="+mj-lt"/>
-                  <a:buAutoNum type="arabicPeriod"/>
-                </a:pPr>
-                <a:r>
-                  <a:rPr lang="ru-RU" sz="2300" dirty="0">
-                    <a:ea typeface="Calibri" panose="020F0502020204030204" pitchFamily="34" charset="0"/>
-                    <a:cs typeface="Times New Roman" panose="02020603050405020304" pitchFamily="18" charset="0"/>
-                  </a:rPr>
-                  <a:t>𝑝+𝑞+𝑑+𝑃+𝑄+𝐷+</a:t>
-                </a:r>
-                <a:r>
-                  <a:rPr lang="en-US" sz="2300" dirty="0">
-                    <a:ea typeface="Calibri" panose="020F0502020204030204" pitchFamily="34" charset="0"/>
-                    <a:cs typeface="Times New Roman" panose="02020603050405020304" pitchFamily="18" charset="0"/>
-                  </a:rPr>
-                  <a:t>s</a:t>
-                </a:r>
-                <a:r>
-                  <a:rPr lang="ru-RU" sz="2300" dirty="0">
-                    <a:ea typeface="Calibri" panose="020F0502020204030204" pitchFamily="34" charset="0"/>
-                    <a:cs typeface="Times New Roman" panose="02020603050405020304" pitchFamily="18" charset="0"/>
-                  </a:rPr>
-                  <a:t> </a:t>
-                </a:r>
-              </a:p>
-              <a:p>
-                <a:pPr marL="514350" indent="-514350">
-                  <a:lnSpc>
-                    <a:spcPct val="120000"/>
-                  </a:lnSpc>
-                  <a:spcBef>
-                    <a:spcPts val="0"/>
-                  </a:spcBef>
-                  <a:buFont typeface="+mj-lt"/>
-                  <a:buAutoNum type="arabicPeriod"/>
-                </a:pPr>
-                <a:r>
-                  <a:rPr lang="ru-RU" sz="2300" dirty="0">
-                    <a:ea typeface="Calibri" panose="020F0502020204030204" pitchFamily="34" charset="0"/>
-                    <a:cs typeface="Times New Roman" panose="02020603050405020304" pitchFamily="18" charset="0"/>
-                  </a:rPr>
-                  <a:t>𝑝+𝑞+𝑑 </a:t>
-                </a:r>
-              </a:p>
-              <a:p>
-                <a:pPr marL="514350" indent="-514350">
-                  <a:lnSpc>
-                    <a:spcPct val="120000"/>
-                  </a:lnSpc>
-                  <a:spcBef>
-                    <a:spcPts val="0"/>
-                  </a:spcBef>
-                  <a:buFont typeface="+mj-lt"/>
-                  <a:buAutoNum type="arabicPeriod"/>
-                </a:pPr>
-                <a:r>
-                  <a:rPr lang="ru-RU" sz="2300" dirty="0">
-                    <a:ea typeface="Calibri" panose="020F0502020204030204" pitchFamily="34" charset="0"/>
-                    <a:cs typeface="Times New Roman" panose="02020603050405020304" pitchFamily="18" charset="0"/>
-                  </a:rPr>
-                  <a:t>𝑝+𝑞+𝑃+𝑄</a:t>
-                </a:r>
-              </a:p>
-              <a:p>
-                <a:pPr>
-                  <a:lnSpc>
-                    <a:spcPct val="120000"/>
-                  </a:lnSpc>
-                  <a:spcBef>
-                    <a:spcPts val="0"/>
-                  </a:spcBef>
-                </a:pPr>
-                <a:r>
-                  <a:rPr lang="ru-RU" sz="2400" b="1" dirty="0">
-                    <a:ea typeface="Calibri" panose="020F0502020204030204" pitchFamily="34" charset="0"/>
-                    <a:cs typeface="Times New Roman" panose="02020603050405020304" pitchFamily="18" charset="0"/>
-                  </a:rPr>
-                  <a:t>Экзогенные факторы это </a:t>
-                </a:r>
-                <a:endParaRPr lang="ru-RU" sz="2300" dirty="0">
-                  <a:ea typeface="Calibri" panose="020F0502020204030204" pitchFamily="34" charset="0"/>
-                  <a:cs typeface="Times New Roman" panose="02020603050405020304" pitchFamily="18" charset="0"/>
-                </a:endParaRPr>
-              </a:p>
-              <a:p>
-                <a:pPr marL="514350" indent="-514350">
-                  <a:lnSpc>
-                    <a:spcPct val="120000"/>
-                  </a:lnSpc>
-                  <a:spcBef>
-                    <a:spcPts val="0"/>
-                  </a:spcBef>
-                  <a:buFont typeface="+mj-lt"/>
-                  <a:buAutoNum type="arabicPeriod"/>
-                </a:pPr>
-                <a:r>
-                  <a:rPr lang="ru-RU" sz="2400" dirty="0"/>
-                  <a:t>Дополнительные </a:t>
-                </a:r>
-                <a:r>
-                  <a:rPr lang="en-US" sz="2400" dirty="0"/>
-                  <a:t> </a:t>
-                </a:r>
-                <a:r>
-                  <a:rPr lang="en-US" sz="2400" dirty="0" err="1"/>
-                  <a:t>фактор</a:t>
-                </a:r>
-                <a:r>
-                  <a:rPr lang="ru-RU" sz="2400" dirty="0"/>
-                  <a:t>ы</a:t>
-                </a:r>
-                <a:r>
-                  <a:rPr lang="en-US" sz="2400" dirty="0"/>
-                  <a:t> </a:t>
-                </a:r>
-                <a:r>
-                  <a:rPr lang="en-US" sz="2400" dirty="0" err="1"/>
-                  <a:t>которые</a:t>
-                </a:r>
-                <a:r>
-                  <a:rPr lang="en-US" sz="2400" dirty="0"/>
-                  <a:t> </a:t>
-                </a:r>
-                <a:r>
-                  <a:rPr lang="en-US" sz="2400" dirty="0" err="1"/>
-                  <a:t>но</a:t>
-                </a:r>
-                <a:r>
-                  <a:rPr lang="en-US" sz="2400" dirty="0"/>
-                  <a:t> </a:t>
-                </a:r>
-                <a:r>
-                  <a:rPr lang="en-US" sz="2400" dirty="0" err="1"/>
-                  <a:t>влия</a:t>
-                </a:r>
-                <a:r>
-                  <a:rPr lang="ru-RU" sz="2400" dirty="0"/>
-                  <a:t>ют</a:t>
-                </a:r>
-                <a:r>
-                  <a:rPr lang="en-US" sz="2400" dirty="0"/>
-                  <a:t> </a:t>
-                </a:r>
-                <a:r>
-                  <a:rPr lang="en-US" sz="2400" dirty="0" err="1"/>
-                  <a:t>на</a:t>
-                </a:r>
-                <a:r>
-                  <a:rPr lang="en-US" sz="2400" dirty="0"/>
-                  <a:t> </a:t>
-                </a:r>
-                <a:r>
-                  <a:rPr lang="ru-RU" sz="2400" dirty="0"/>
-                  <a:t>целевую переменную</a:t>
-                </a:r>
-                <a:endParaRPr lang="ru-RU" sz="2300" dirty="0">
-                  <a:ea typeface="Calibri" panose="020F0502020204030204" pitchFamily="34" charset="0"/>
-                  <a:cs typeface="Times New Roman" panose="02020603050405020304" pitchFamily="18" charset="0"/>
-                </a:endParaRPr>
-              </a:p>
-              <a:p>
-                <a:pPr marL="514350" indent="-514350">
-                  <a:lnSpc>
-                    <a:spcPct val="120000"/>
-                  </a:lnSpc>
-                  <a:spcBef>
-                    <a:spcPts val="0"/>
-                  </a:spcBef>
-                  <a:buFont typeface="+mj-lt"/>
-                  <a:buAutoNum type="arabicPeriod"/>
-                </a:pPr>
-                <a:r>
-                  <a:rPr lang="ru-RU" sz="2300" dirty="0">
-                    <a:ea typeface="Calibri" panose="020F0502020204030204" pitchFamily="34" charset="0"/>
-                    <a:cs typeface="Times New Roman" panose="02020603050405020304" pitchFamily="18" charset="0"/>
-                  </a:rPr>
-                  <a:t>Предыдущие лаги целевой переменной</a:t>
-                </a:r>
-              </a:p>
-              <a:p>
-                <a:pPr marL="514350" indent="-514350">
-                  <a:lnSpc>
-                    <a:spcPct val="120000"/>
-                  </a:lnSpc>
-                  <a:spcBef>
-                    <a:spcPts val="0"/>
-                  </a:spcBef>
-                  <a:buFont typeface="+mj-lt"/>
-                  <a:buAutoNum type="arabicPeriod"/>
-                </a:pPr>
-                <a:r>
-                  <a:rPr lang="ru-RU" sz="2300" dirty="0">
-                    <a:ea typeface="Calibri" panose="020F0502020204030204" pitchFamily="34" charset="0"/>
-                    <a:cs typeface="Times New Roman" panose="02020603050405020304" pitchFamily="18" charset="0"/>
-                  </a:rPr>
-                  <a:t>Последующие лаги целевой переменной</a:t>
-                </a:r>
-              </a:p>
-              <a:p>
-                <a:pPr marL="514350" indent="-514350">
-                  <a:lnSpc>
-                    <a:spcPct val="120000"/>
-                  </a:lnSpc>
-                  <a:spcBef>
-                    <a:spcPts val="0"/>
-                  </a:spcBef>
-                  <a:buFont typeface="+mj-lt"/>
-                  <a:buAutoNum type="arabicPeriod"/>
-                </a:pPr>
-                <a:r>
-                  <a:rPr lang="ru-RU" sz="2300" dirty="0">
-                    <a:ea typeface="Calibri" panose="020F0502020204030204" pitchFamily="34" charset="0"/>
-                    <a:cs typeface="Times New Roman" panose="02020603050405020304" pitchFamily="18" charset="0"/>
-                  </a:rPr>
-                  <a:t>Основной фактор относительно которого строится модель</a:t>
-                </a:r>
-              </a:p>
-              <a:p>
-                <a:pPr marL="514350" indent="-514350">
-                  <a:buFont typeface="+mj-lt"/>
-                  <a:buAutoNum type="arabicPeriod"/>
-                </a:pPr>
-                <a:endParaRPr lang="ru-RU" sz="2300" dirty="0">
-                  <a:ea typeface="Calibri" panose="020F0502020204030204" pitchFamily="34" charset="0"/>
-                  <a:cs typeface="Times New Roman" panose="02020603050405020304" pitchFamily="18" charset="0"/>
-                </a:endParaRPr>
-              </a:p>
-              <a:p>
-                <a:pPr marL="514350" indent="-514350">
-                  <a:buFont typeface="+mj-lt"/>
-                  <a:buAutoNum type="arabicPeriod"/>
-                </a:pPr>
-                <a:endParaRPr lang="ru-RU" dirty="0">
-                  <a:ea typeface="Calibri" panose="020F0502020204030204" pitchFamily="34" charset="0"/>
-                  <a:cs typeface="Times New Roman" panose="02020603050405020304" pitchFamily="18" charset="0"/>
-                </a:endParaRPr>
-              </a:p>
-              <a:p>
-                <a:pPr marL="514350" indent="-514350">
-                  <a:buFont typeface="+mj-lt"/>
-                  <a:buAutoNum type="arabicPeriod"/>
-                </a:pPr>
-                <a:endParaRPr lang="ru-RU" dirty="0">
-                  <a:ea typeface="Calibri" panose="020F0502020204030204" pitchFamily="34" charset="0"/>
-                  <a:cs typeface="Times New Roman" panose="02020603050405020304" pitchFamily="18" charset="0"/>
-                </a:endParaRPr>
-              </a:p>
-              <a:p>
-                <a:endParaRPr lang="ru-RU" dirty="0"/>
-              </a:p>
-            </p:txBody>
-          </p:sp>
-        </mc:Choice>
-        <mc:Fallback xmlns="">
-          <p:sp>
-            <p:nvSpPr>
-              <p:cNvPr id="3" name="Объект 2">
-                <a:extLst>
-                  <a:ext uri="{FF2B5EF4-FFF2-40B4-BE49-F238E27FC236}">
-                    <a16:creationId xmlns:a16="http://schemas.microsoft.com/office/drawing/2014/main" id="{BE421393-E6D9-4C04-F323-217F01E33B93}"/>
-                  </a:ext>
-                </a:extLst>
-              </p:cNvPr>
-              <p:cNvSpPr>
-                <a:spLocks noGrp="1" noRot="1" noChangeAspect="1" noMove="1" noResize="1" noEditPoints="1" noAdjustHandles="1" noChangeArrowheads="1" noChangeShapeType="1" noTextEdit="1"/>
-              </p:cNvSpPr>
-              <p:nvPr>
-                <p:ph idx="1"/>
-              </p:nvPr>
-            </p:nvSpPr>
-            <p:spPr>
-              <a:xfrm>
-                <a:off x="425824" y="948121"/>
-                <a:ext cx="11494994" cy="5728904"/>
-              </a:xfrm>
-              <a:blipFill>
-                <a:blip r:embed="rId2"/>
-                <a:stretch>
-                  <a:fillRect l="-530" t="-532"/>
-                </a:stretch>
-              </a:blipFill>
-            </p:spPr>
-            <p:txBody>
-              <a:bodyPr/>
-              <a:lstStyle/>
-              <a:p>
-                <a:r>
-                  <a:rPr lang="ru-RU">
-                    <a:noFill/>
-                  </a:rPr>
-                  <a:t> </a:t>
-                </a:r>
-              </a:p>
-            </p:txBody>
-          </p:sp>
-        </mc:Fallback>
-      </mc:AlternateContent>
-    </p:spTree>
-    <p:extLst>
-      <p:ext uri="{BB962C8B-B14F-4D97-AF65-F5344CB8AC3E}">
-        <p14:creationId xmlns:p14="http://schemas.microsoft.com/office/powerpoint/2010/main" val="2439194558"/>
-      </p:ext>
-    </p:extLst>
-  </p:cSld>
-  <p:clrMapOvr>
-    <a:masterClrMapping/>
-  </p:clrMapOvr>
-</p:sld>
-</file>
-
-<file path=ppt/slides/slide27.xml><?xml version="1.0" encoding="utf-8"?>
-<p:sld xmlns:a="http://schemas.openxmlformats.org/drawingml/2006/main" xmlns:r="http://schemas.openxmlformats.org/officeDocument/2006/relationships" xmlns:p="http://schemas.openxmlformats.org/presentationml/2006/main">
-  <p:cSld>
-    <p:spTree>
-      <p:nvGrpSpPr>
-        <p:cNvPr id="1" name=""/>
-        <p:cNvGrpSpPr/>
-        <p:nvPr/>
-      </p:nvGrpSpPr>
-      <p:grpSpPr>
-        <a:xfrm>
-          <a:off x="0" y="0"/>
-          <a:ext cx="0" cy="0"/>
-          <a:chOff x="0" y="0"/>
-          <a:chExt cx="0" cy="0"/>
-        </a:xfrm>
-      </p:grpSpPr>
-      <p:sp>
-        <p:nvSpPr>
-          <p:cNvPr id="2" name="Заголовок 1">
-            <a:extLst>
-              <a:ext uri="{FF2B5EF4-FFF2-40B4-BE49-F238E27FC236}">
-                <a16:creationId xmlns:a16="http://schemas.microsoft.com/office/drawing/2014/main" id="{E5E18C16-493F-C0F6-1226-B953C44BB2B9}"/>
-              </a:ext>
-            </a:extLst>
-          </p:cNvPr>
-          <p:cNvSpPr>
-            <a:spLocks noGrp="1"/>
-          </p:cNvSpPr>
-          <p:nvPr>
-            <p:ph type="title"/>
-          </p:nvPr>
-        </p:nvSpPr>
-        <p:spPr>
-          <a:xfrm>
-            <a:off x="398929" y="0"/>
-            <a:ext cx="10515600" cy="1325563"/>
-          </a:xfrm>
-        </p:spPr>
-        <p:txBody>
-          <a:bodyPr>
-            <a:normAutofit/>
-          </a:bodyPr>
-          <a:lstStyle/>
-          <a:p>
-            <a:r>
-              <a:rPr lang="ru-RU" sz="4800" b="1" dirty="0"/>
-              <a:t>Вопросы Продвинутые </a:t>
-            </a:r>
-            <a:r>
-              <a:rPr lang="en-US" sz="4800" b="1" dirty="0"/>
-              <a:t>(X)-</a:t>
-            </a:r>
-            <a:r>
-              <a:rPr lang="ru-RU" sz="4800" b="1" dirty="0"/>
-              <a:t>верно</a:t>
-            </a:r>
-          </a:p>
-        </p:txBody>
-      </p:sp>
-      <p:sp>
-        <p:nvSpPr>
-          <p:cNvPr id="3" name="Объект 2">
-            <a:extLst>
-              <a:ext uri="{FF2B5EF4-FFF2-40B4-BE49-F238E27FC236}">
-                <a16:creationId xmlns:a16="http://schemas.microsoft.com/office/drawing/2014/main" id="{BE421393-E6D9-4C04-F323-217F01E33B93}"/>
-              </a:ext>
-            </a:extLst>
-          </p:cNvPr>
-          <p:cNvSpPr>
-            <a:spLocks noGrp="1"/>
-          </p:cNvSpPr>
-          <p:nvPr>
-            <p:ph idx="1"/>
-          </p:nvPr>
-        </p:nvSpPr>
-        <p:spPr>
-          <a:xfrm>
-            <a:off x="398928" y="1075309"/>
-            <a:ext cx="11282083" cy="4536352"/>
-          </a:xfrm>
-        </p:spPr>
-        <p:txBody>
-          <a:bodyPr>
-            <a:normAutofit fontScale="62500" lnSpcReduction="20000"/>
-          </a:bodyPr>
-          <a:lstStyle/>
-          <a:p>
-            <a:pPr>
-              <a:lnSpc>
-                <a:spcPct val="120000"/>
-              </a:lnSpc>
-              <a:spcBef>
-                <a:spcPts val="0"/>
-              </a:spcBef>
-            </a:pPr>
-            <a:r>
-              <a:rPr lang="ru-RU" sz="2300" b="1" dirty="0">
-                <a:ea typeface="Calibri" panose="020F0502020204030204" pitchFamily="34" charset="0"/>
-                <a:cs typeface="Times New Roman" panose="02020603050405020304" pitchFamily="18" charset="0"/>
-              </a:rPr>
-              <a:t>Выберите примеры правильных утверждение об анализе SAR</a:t>
-            </a:r>
-            <a:r>
-              <a:rPr lang="en-US" sz="2300" b="1" dirty="0">
-                <a:ea typeface="Calibri" panose="020F0502020204030204" pitchFamily="34" charset="0"/>
-                <a:cs typeface="Times New Roman" panose="02020603050405020304" pitchFamily="18" charset="0"/>
-              </a:rPr>
-              <a:t>IMA </a:t>
-            </a:r>
-            <a:r>
-              <a:rPr lang="ru-RU" sz="2300" b="1" dirty="0">
-                <a:ea typeface="Calibri" panose="020F0502020204030204" pitchFamily="34" charset="0"/>
-                <a:cs typeface="Times New Roman" panose="02020603050405020304" pitchFamily="18" charset="0"/>
-              </a:rPr>
-              <a:t>моделей</a:t>
-            </a:r>
-          </a:p>
-          <a:p>
-            <a:pPr marL="971550" lvl="1" indent="-514350">
-              <a:lnSpc>
-                <a:spcPct val="120000"/>
-              </a:lnSpc>
-              <a:spcBef>
-                <a:spcPts val="0"/>
-              </a:spcBef>
-              <a:buFont typeface="+mj-lt"/>
-              <a:buAutoNum type="arabicPeriod"/>
-            </a:pPr>
-            <a:r>
-              <a:rPr lang="ru-RU" dirty="0" err="1">
-                <a:cs typeface="Times New Roman" panose="02020603050405020304" pitchFamily="18" charset="0"/>
-              </a:rPr>
-              <a:t>Сналчала</a:t>
-            </a:r>
-            <a:r>
-              <a:rPr lang="ru-RU" dirty="0">
-                <a:cs typeface="Times New Roman" panose="02020603050405020304" pitchFamily="18" charset="0"/>
-              </a:rPr>
-              <a:t> оцениваются обычная и затем сезонная производные (х)</a:t>
-            </a:r>
-          </a:p>
-          <a:p>
-            <a:pPr marL="971550" lvl="1" indent="-514350">
-              <a:lnSpc>
-                <a:spcPct val="120000"/>
-              </a:lnSpc>
-              <a:spcBef>
-                <a:spcPts val="0"/>
-              </a:spcBef>
-              <a:buFont typeface="+mj-lt"/>
-              <a:buAutoNum type="arabicPeriod"/>
-            </a:pPr>
-            <a:r>
-              <a:rPr lang="ru-RU" dirty="0">
-                <a:cs typeface="Times New Roman" panose="02020603050405020304" pitchFamily="18" charset="0"/>
-              </a:rPr>
-              <a:t>Чем меньше значение информационного критерия, тем лучше (х)</a:t>
-            </a:r>
-          </a:p>
-          <a:p>
-            <a:pPr marL="971550" lvl="1" indent="-514350">
-              <a:lnSpc>
-                <a:spcPct val="120000"/>
-              </a:lnSpc>
-              <a:spcBef>
-                <a:spcPts val="0"/>
-              </a:spcBef>
-              <a:buFont typeface="+mj-lt"/>
-              <a:buAutoNum type="arabicPeriod"/>
-            </a:pPr>
-            <a:r>
-              <a:rPr lang="ru-RU" dirty="0">
-                <a:cs typeface="Times New Roman" panose="02020603050405020304" pitchFamily="18" charset="0"/>
-              </a:rPr>
-              <a:t>Сначала находят </a:t>
-            </a:r>
-            <a:r>
-              <a:rPr lang="ru-RU" dirty="0" err="1">
-                <a:cs typeface="Times New Roman" panose="02020603050405020304" pitchFamily="18" charset="0"/>
-              </a:rPr>
-              <a:t>коэффиценты</a:t>
-            </a:r>
-            <a:r>
-              <a:rPr lang="ru-RU" dirty="0">
-                <a:cs typeface="Times New Roman" panose="02020603050405020304" pitchFamily="18" charset="0"/>
-              </a:rPr>
-              <a:t> ARMA</a:t>
-            </a:r>
-            <a:r>
-              <a:rPr lang="en-US" dirty="0">
-                <a:cs typeface="Times New Roman" panose="02020603050405020304" pitchFamily="18" charset="0"/>
-              </a:rPr>
-              <a:t> </a:t>
-            </a:r>
-            <a:r>
-              <a:rPr lang="ru-RU" dirty="0">
-                <a:cs typeface="Times New Roman" panose="02020603050405020304" pitchFamily="18" charset="0"/>
-              </a:rPr>
-              <a:t>модели, а затем из остатка оценивают остальные коэффициенты</a:t>
-            </a:r>
-          </a:p>
-          <a:p>
-            <a:pPr marL="971550" lvl="1" indent="-514350">
-              <a:lnSpc>
-                <a:spcPct val="120000"/>
-              </a:lnSpc>
-              <a:spcBef>
-                <a:spcPts val="0"/>
-              </a:spcBef>
-              <a:buFont typeface="+mj-lt"/>
-              <a:buAutoNum type="arabicPeriod"/>
-            </a:pPr>
-            <a:r>
-              <a:rPr lang="ru-RU" dirty="0">
-                <a:cs typeface="Times New Roman" panose="02020603050405020304" pitchFamily="18" charset="0"/>
-              </a:rPr>
-              <a:t>Дифференцирование производится как по </a:t>
-            </a:r>
-            <a:r>
-              <a:rPr lang="en-US" dirty="0">
-                <a:cs typeface="Times New Roman" panose="02020603050405020304" pitchFamily="18" charset="0"/>
-              </a:rPr>
-              <a:t>AR </a:t>
-            </a:r>
-            <a:r>
-              <a:rPr lang="ru-RU" dirty="0">
-                <a:cs typeface="Times New Roman" panose="02020603050405020304" pitchFamily="18" charset="0"/>
-              </a:rPr>
-              <a:t>так и по </a:t>
-            </a:r>
-            <a:r>
-              <a:rPr lang="en-US" dirty="0">
-                <a:cs typeface="Times New Roman" panose="02020603050405020304" pitchFamily="18" charset="0"/>
-              </a:rPr>
-              <a:t>MA </a:t>
-            </a:r>
-            <a:r>
-              <a:rPr lang="ru-RU" dirty="0">
-                <a:cs typeface="Times New Roman" panose="02020603050405020304" pitchFamily="18" charset="0"/>
-              </a:rPr>
-              <a:t>части</a:t>
-            </a:r>
-          </a:p>
-          <a:p>
-            <a:pPr marL="971550" lvl="1" indent="-514350">
-              <a:lnSpc>
-                <a:spcPct val="120000"/>
-              </a:lnSpc>
-              <a:spcBef>
-                <a:spcPts val="0"/>
-              </a:spcBef>
-              <a:buFont typeface="+mj-lt"/>
-              <a:buAutoNum type="arabicPeriod"/>
-            </a:pPr>
-            <a:r>
-              <a:rPr lang="ru-RU" dirty="0">
-                <a:cs typeface="Times New Roman" panose="02020603050405020304" pitchFamily="18" charset="0"/>
-              </a:rPr>
-              <a:t>Чем выше порядки модели, тем лучше будет обобщающая способность </a:t>
-            </a:r>
-          </a:p>
-          <a:p>
-            <a:pPr>
-              <a:lnSpc>
-                <a:spcPct val="120000"/>
-              </a:lnSpc>
-              <a:spcBef>
-                <a:spcPts val="0"/>
-              </a:spcBef>
-            </a:pPr>
-            <a:r>
-              <a:rPr lang="ru-RU" sz="2300" b="1" dirty="0">
-                <a:ea typeface="Calibri" panose="020F0502020204030204" pitchFamily="34" charset="0"/>
-                <a:cs typeface="Times New Roman" panose="02020603050405020304" pitchFamily="18" charset="0"/>
-              </a:rPr>
-              <a:t>Выберите примеры правильно определенных экзогенных факторов</a:t>
-            </a:r>
-          </a:p>
-          <a:p>
-            <a:pPr marL="914400" lvl="1" indent="-457200">
-              <a:lnSpc>
-                <a:spcPct val="120000"/>
-              </a:lnSpc>
-              <a:spcBef>
-                <a:spcPts val="0"/>
-              </a:spcBef>
-              <a:buFont typeface="+mj-lt"/>
-              <a:buAutoNum type="arabicPeriod"/>
-            </a:pPr>
-            <a:r>
-              <a:rPr lang="ru-RU" sz="1600" b="1" dirty="0">
-                <a:cs typeface="Times New Roman" panose="02020603050405020304" pitchFamily="18" charset="0"/>
-              </a:rPr>
-              <a:t>Температура воздуха для товаров зимнего спорта (х)</a:t>
-            </a:r>
-          </a:p>
-          <a:p>
-            <a:pPr marL="914400" lvl="1" indent="-457200">
-              <a:lnSpc>
-                <a:spcPct val="120000"/>
-              </a:lnSpc>
-              <a:spcBef>
-                <a:spcPts val="0"/>
-              </a:spcBef>
-              <a:buFont typeface="+mj-lt"/>
-              <a:buAutoNum type="arabicPeriod"/>
-            </a:pPr>
-            <a:r>
-              <a:rPr lang="ru-RU" sz="1600" b="1" dirty="0">
-                <a:cs typeface="Times New Roman" panose="02020603050405020304" pitchFamily="18" charset="0"/>
-              </a:rPr>
-              <a:t>Стоимость перевозок для курса валют (х)</a:t>
-            </a:r>
-          </a:p>
-          <a:p>
-            <a:pPr marL="914400" lvl="1" indent="-457200">
-              <a:lnSpc>
-                <a:spcPct val="120000"/>
-              </a:lnSpc>
-              <a:spcBef>
-                <a:spcPts val="0"/>
-              </a:spcBef>
-              <a:buFont typeface="+mj-lt"/>
-              <a:buAutoNum type="arabicPeriod"/>
-            </a:pPr>
-            <a:r>
-              <a:rPr lang="ru-RU" sz="1600" b="1" dirty="0">
-                <a:cs typeface="Times New Roman" panose="02020603050405020304" pitchFamily="18" charset="0"/>
-              </a:rPr>
-              <a:t>Температура воды для температуры воздуха</a:t>
-            </a:r>
-          </a:p>
-          <a:p>
-            <a:pPr marL="914400" lvl="1" indent="-457200">
-              <a:lnSpc>
-                <a:spcPct val="120000"/>
-              </a:lnSpc>
-              <a:spcBef>
-                <a:spcPts val="0"/>
-              </a:spcBef>
-              <a:buFont typeface="+mj-lt"/>
-              <a:buAutoNum type="arabicPeriod"/>
-            </a:pPr>
-            <a:r>
-              <a:rPr lang="ru-RU" sz="1600" b="1" dirty="0">
-                <a:cs typeface="Times New Roman" panose="02020603050405020304" pitchFamily="18" charset="0"/>
-              </a:rPr>
-              <a:t>Цена автомобиля для пробега</a:t>
-            </a:r>
-          </a:p>
-          <a:p>
-            <a:pPr marL="914400" lvl="1" indent="-457200">
-              <a:lnSpc>
-                <a:spcPct val="120000"/>
-              </a:lnSpc>
-              <a:spcBef>
-                <a:spcPts val="0"/>
-              </a:spcBef>
-              <a:buFont typeface="+mj-lt"/>
-              <a:buAutoNum type="arabicPeriod"/>
-            </a:pPr>
-            <a:r>
-              <a:rPr lang="ru-RU" sz="1600" b="1" dirty="0">
-                <a:cs typeface="Times New Roman" panose="02020603050405020304" pitchFamily="18" charset="0"/>
-              </a:rPr>
-              <a:t>Потребление электроэнергии в зависимости от год </a:t>
-            </a:r>
-            <a:endParaRPr lang="ru-RU" sz="1600" b="1" dirty="0" smtClean="0">
-              <a:cs typeface="Times New Roman" panose="02020603050405020304" pitchFamily="18" charset="0"/>
-            </a:endParaRPr>
-          </a:p>
-          <a:p>
-            <a:pPr>
-              <a:lnSpc>
-                <a:spcPct val="120000"/>
-              </a:lnSpc>
-              <a:spcBef>
-                <a:spcPts val="0"/>
-              </a:spcBef>
-            </a:pPr>
-            <a:r>
-              <a:rPr lang="ru-RU" sz="2300" b="1" dirty="0">
-                <a:ea typeface="Calibri" panose="020F0502020204030204" pitchFamily="34" charset="0"/>
-                <a:cs typeface="Times New Roman" panose="02020603050405020304" pitchFamily="18" charset="0"/>
-              </a:rPr>
-              <a:t>Выберите примеры правильных утверждение об анализе SAR</a:t>
-            </a:r>
-            <a:r>
-              <a:rPr lang="en-US" sz="2300" b="1" dirty="0">
-                <a:ea typeface="Calibri" panose="020F0502020204030204" pitchFamily="34" charset="0"/>
-                <a:cs typeface="Times New Roman" panose="02020603050405020304" pitchFamily="18" charset="0"/>
-              </a:rPr>
-              <a:t>IMA </a:t>
-            </a:r>
-            <a:r>
-              <a:rPr lang="ru-RU" sz="2300" b="1" dirty="0">
-                <a:ea typeface="Calibri" panose="020F0502020204030204" pitchFamily="34" charset="0"/>
-                <a:cs typeface="Times New Roman" panose="02020603050405020304" pitchFamily="18" charset="0"/>
-              </a:rPr>
-              <a:t>моделей</a:t>
-            </a:r>
-          </a:p>
-          <a:p>
-            <a:pPr marL="971550" lvl="1" indent="-514350">
-              <a:lnSpc>
-                <a:spcPct val="120000"/>
-              </a:lnSpc>
-              <a:spcBef>
-                <a:spcPts val="0"/>
-              </a:spcBef>
-              <a:buFont typeface="+mj-lt"/>
-              <a:buAutoNum type="arabicPeriod"/>
-            </a:pPr>
-            <a:r>
-              <a:rPr lang="en-US" dirty="0" err="1"/>
-              <a:t>Если</a:t>
-            </a:r>
-            <a:r>
-              <a:rPr lang="en-US" dirty="0"/>
-              <a:t> </a:t>
-            </a:r>
-            <a:r>
-              <a:rPr lang="en-US" dirty="0" err="1"/>
-              <a:t>ваш</a:t>
-            </a:r>
-            <a:r>
-              <a:rPr lang="en-US" dirty="0"/>
-              <a:t> </a:t>
-            </a:r>
-            <a:r>
-              <a:rPr lang="ru-RU" dirty="0"/>
-              <a:t>ряд</a:t>
-            </a:r>
-            <a:r>
-              <a:rPr lang="en-US" dirty="0"/>
-              <a:t> </a:t>
-            </a:r>
-            <a:r>
-              <a:rPr lang="en-US" dirty="0" err="1"/>
-              <a:t>немного</a:t>
-            </a:r>
-            <a:r>
-              <a:rPr lang="en-US" dirty="0"/>
-              <a:t> </a:t>
-            </a:r>
-            <a:r>
-              <a:rPr lang="ru-RU" b="1" dirty="0" err="1"/>
-              <a:t>недодифференцирован</a:t>
-            </a:r>
-            <a:r>
-              <a:rPr lang="en-US" dirty="0"/>
-              <a:t>, </a:t>
-            </a:r>
-            <a:r>
-              <a:rPr lang="en-US" u="sng" dirty="0" err="1"/>
-              <a:t>добавт</a:t>
-            </a:r>
-            <a:r>
-              <a:rPr lang="ru-RU" u="sng" dirty="0"/>
-              <a:t>е</a:t>
-            </a:r>
-            <a:r>
-              <a:rPr lang="en-US" u="sng" dirty="0"/>
-              <a:t> </a:t>
-            </a:r>
-            <a:r>
-              <a:rPr lang="en-US" u="sng" dirty="0" err="1"/>
-              <a:t>дополнительн</a:t>
-            </a:r>
-            <a:r>
-              <a:rPr lang="ru-RU" u="sng" dirty="0" err="1"/>
-              <a:t>ое</a:t>
-            </a:r>
-            <a:r>
-              <a:rPr lang="ru-RU" u="sng" dirty="0"/>
-              <a:t> </a:t>
-            </a:r>
-            <a:r>
-              <a:rPr lang="ru-RU" u="sng" dirty="0" err="1"/>
-              <a:t>слогаемое</a:t>
-            </a:r>
-            <a:r>
-              <a:rPr lang="ru-RU" u="sng" dirty="0"/>
-              <a:t> к</a:t>
-            </a:r>
-            <a:r>
-              <a:rPr lang="en-US" u="sng" dirty="0"/>
-              <a:t> AR (x)</a:t>
-            </a:r>
-            <a:endParaRPr lang="ru-RU" u="sng" dirty="0"/>
-          </a:p>
-          <a:p>
-            <a:pPr marL="971550" lvl="1" indent="-514350">
-              <a:lnSpc>
-                <a:spcPct val="120000"/>
-              </a:lnSpc>
-              <a:spcBef>
-                <a:spcPts val="0"/>
-              </a:spcBef>
-              <a:buFont typeface="+mj-lt"/>
-              <a:buAutoNum type="arabicPeriod"/>
-            </a:pPr>
-            <a:r>
-              <a:rPr lang="en-US" altLang="en-US" dirty="0" err="1">
-                <a:solidFill>
-                  <a:srgbClr val="000000"/>
-                </a:solidFill>
-              </a:rPr>
-              <a:t>Добавить</a:t>
-            </a:r>
-            <a:r>
-              <a:rPr lang="en-US" altLang="en-US" dirty="0">
-                <a:solidFill>
-                  <a:srgbClr val="000000"/>
-                </a:solidFill>
-              </a:rPr>
-              <a:t> </a:t>
-            </a:r>
-            <a:r>
-              <a:rPr lang="ru-RU" altLang="en-US" b="1" dirty="0" err="1">
-                <a:solidFill>
-                  <a:srgbClr val="000000"/>
-                </a:solidFill>
-              </a:rPr>
-              <a:t>слогаемое</a:t>
-            </a:r>
-            <a:r>
-              <a:rPr lang="en-US" altLang="en-US" b="1" dirty="0">
-                <a:solidFill>
-                  <a:srgbClr val="000000"/>
-                </a:solidFill>
-              </a:rPr>
-              <a:t> SAR</a:t>
-            </a:r>
-            <a:r>
-              <a:rPr lang="en-US" altLang="en-US" dirty="0">
-                <a:solidFill>
-                  <a:srgbClr val="000000"/>
-                </a:solidFill>
-              </a:rPr>
-              <a:t>, </a:t>
-            </a:r>
-            <a:r>
-              <a:rPr lang="en-US" altLang="en-US" u="sng" dirty="0" err="1">
-                <a:solidFill>
-                  <a:srgbClr val="000000"/>
-                </a:solidFill>
-              </a:rPr>
-              <a:t>Если</a:t>
-            </a:r>
-            <a:r>
-              <a:rPr lang="en-US" altLang="en-US" u="sng" dirty="0">
-                <a:solidFill>
-                  <a:srgbClr val="000000"/>
-                </a:solidFill>
-              </a:rPr>
-              <a:t> ACF </a:t>
-            </a:r>
-            <a:r>
-              <a:rPr lang="en-US" altLang="en-US" u="sng" dirty="0" err="1">
-                <a:solidFill>
-                  <a:srgbClr val="000000"/>
-                </a:solidFill>
-              </a:rPr>
-              <a:t>периодически</a:t>
-            </a:r>
-            <a:r>
-              <a:rPr lang="en-US" altLang="en-US" u="sng" dirty="0">
-                <a:solidFill>
-                  <a:srgbClr val="000000"/>
-                </a:solidFill>
-              </a:rPr>
-              <a:t> </a:t>
-            </a:r>
-            <a:r>
-              <a:rPr lang="en-US" altLang="en-US" u="sng" dirty="0" err="1">
-                <a:solidFill>
-                  <a:srgbClr val="000000"/>
-                </a:solidFill>
-              </a:rPr>
-              <a:t>положительный</a:t>
-            </a:r>
-            <a:r>
-              <a:rPr lang="ru-RU" altLang="en-US" dirty="0">
-                <a:cs typeface="Times New Roman" panose="02020603050405020304" pitchFamily="18" charset="0"/>
-              </a:rPr>
-              <a:t> </a:t>
-            </a:r>
-            <a:r>
-              <a:rPr lang="en-US" altLang="en-US" dirty="0">
-                <a:cs typeface="Times New Roman" panose="02020603050405020304" pitchFamily="18" charset="0"/>
-              </a:rPr>
-              <a:t>(x)</a:t>
-            </a:r>
-            <a:endParaRPr lang="ru-RU" dirty="0">
-              <a:cs typeface="Times New Roman" panose="02020603050405020304" pitchFamily="18" charset="0"/>
-            </a:endParaRPr>
-          </a:p>
-          <a:p>
-            <a:pPr marL="971550" lvl="1" indent="-514350">
-              <a:lnSpc>
-                <a:spcPct val="120000"/>
-              </a:lnSpc>
-              <a:spcBef>
-                <a:spcPts val="0"/>
-              </a:spcBef>
-              <a:buFont typeface="+mj-lt"/>
-              <a:buAutoNum type="arabicPeriod"/>
-            </a:pPr>
-            <a:r>
-              <a:rPr lang="en-US" altLang="en-US" u="sng" dirty="0" err="1">
-                <a:solidFill>
-                  <a:srgbClr val="000000"/>
-                </a:solidFill>
-              </a:rPr>
-              <a:t>Используйте</a:t>
-            </a:r>
-            <a:r>
-              <a:rPr lang="en-US" altLang="en-US" u="sng" dirty="0">
-                <a:solidFill>
-                  <a:srgbClr val="000000"/>
-                </a:solidFill>
-              </a:rPr>
-              <a:t> </a:t>
-            </a:r>
-            <a:r>
-              <a:rPr lang="en-US" altLang="en-US" u="sng" dirty="0" err="1">
-                <a:solidFill>
-                  <a:srgbClr val="000000"/>
-                </a:solidFill>
-              </a:rPr>
-              <a:t>сезонную</a:t>
-            </a:r>
-            <a:r>
-              <a:rPr lang="en-US" altLang="en-US" u="sng" dirty="0">
-                <a:solidFill>
-                  <a:srgbClr val="000000"/>
-                </a:solidFill>
-              </a:rPr>
-              <a:t> </a:t>
-            </a:r>
-            <a:r>
-              <a:rPr lang="en-US" altLang="en-US" u="sng" dirty="0" err="1">
-                <a:solidFill>
-                  <a:srgbClr val="000000"/>
-                </a:solidFill>
-              </a:rPr>
-              <a:t>производную</a:t>
-            </a:r>
-            <a:r>
-              <a:rPr lang="en-US" altLang="en-US" u="sng" dirty="0">
-                <a:solidFill>
-                  <a:srgbClr val="000000"/>
-                </a:solidFill>
-              </a:rPr>
-              <a:t> </a:t>
-            </a:r>
-            <a:r>
-              <a:rPr lang="en-US" altLang="en-US" u="sng" dirty="0" err="1">
-                <a:solidFill>
-                  <a:srgbClr val="000000"/>
-                </a:solidFill>
-              </a:rPr>
-              <a:t>только</a:t>
-            </a:r>
-            <a:r>
-              <a:rPr lang="en-US" altLang="en-US" u="sng" dirty="0">
-                <a:solidFill>
-                  <a:srgbClr val="000000"/>
-                </a:solidFill>
-              </a:rPr>
-              <a:t> в </a:t>
-            </a:r>
-            <a:r>
-              <a:rPr lang="en-US" altLang="en-US" u="sng" dirty="0" err="1">
-                <a:solidFill>
-                  <a:srgbClr val="000000"/>
-                </a:solidFill>
-              </a:rPr>
-              <a:t>случае</a:t>
-            </a:r>
-            <a:r>
-              <a:rPr lang="en-US" altLang="en-US" u="sng" dirty="0">
-                <a:solidFill>
-                  <a:srgbClr val="000000"/>
-                </a:solidFill>
-              </a:rPr>
-              <a:t> </a:t>
-            </a:r>
-            <a:r>
-              <a:rPr lang="en-US" altLang="en-US" u="sng" dirty="0" err="1">
-                <a:solidFill>
-                  <a:srgbClr val="000000"/>
-                </a:solidFill>
-              </a:rPr>
-              <a:t>сильно</a:t>
-            </a:r>
-            <a:r>
-              <a:rPr lang="ru-RU" altLang="en-US" u="sng" dirty="0" err="1">
-                <a:solidFill>
-                  <a:srgbClr val="000000"/>
-                </a:solidFill>
-              </a:rPr>
-              <a:t>го</a:t>
-            </a:r>
-            <a:r>
-              <a:rPr lang="en-US" altLang="en-US" u="sng" dirty="0">
-                <a:solidFill>
-                  <a:srgbClr val="000000"/>
-                </a:solidFill>
-              </a:rPr>
-              <a:t> </a:t>
-            </a:r>
-            <a:r>
-              <a:rPr lang="en-US" altLang="en-US" u="sng" dirty="0" err="1">
-                <a:solidFill>
-                  <a:srgbClr val="000000"/>
-                </a:solidFill>
-              </a:rPr>
-              <a:t>сезонно</a:t>
-            </a:r>
-            <a:r>
-              <a:rPr lang="ru-RU" altLang="en-US" u="sng" dirty="0" err="1">
-                <a:solidFill>
-                  <a:srgbClr val="000000"/>
-                </a:solidFill>
-              </a:rPr>
-              <a:t>го</a:t>
-            </a:r>
-            <a:r>
-              <a:rPr lang="ru-RU" altLang="en-US" u="sng" dirty="0">
-                <a:solidFill>
-                  <a:srgbClr val="000000"/>
-                </a:solidFill>
-              </a:rPr>
-              <a:t> влияния</a:t>
-            </a:r>
-            <a:r>
-              <a:rPr lang="en-US" altLang="en-US" u="sng" dirty="0">
-                <a:solidFill>
-                  <a:srgbClr val="000000"/>
-                </a:solidFill>
-              </a:rPr>
-              <a:t> (x)</a:t>
-            </a:r>
-            <a:r>
-              <a:rPr lang="ru-RU" altLang="en-US" u="sng" dirty="0">
-                <a:solidFill>
-                  <a:srgbClr val="000000"/>
-                </a:solidFill>
-              </a:rPr>
-              <a:t> </a:t>
-            </a:r>
-            <a:endParaRPr lang="en-US" altLang="en-US" u="sng" dirty="0">
-              <a:solidFill>
-                <a:srgbClr val="000000"/>
-              </a:solidFill>
-            </a:endParaRPr>
-          </a:p>
-          <a:p>
-            <a:pPr marL="971550" lvl="1" indent="-514350">
-              <a:lnSpc>
-                <a:spcPct val="120000"/>
-              </a:lnSpc>
-              <a:spcBef>
-                <a:spcPts val="0"/>
-              </a:spcBef>
-              <a:buFont typeface="+mj-lt"/>
-              <a:buAutoNum type="arabicPeriod"/>
-            </a:pPr>
-            <a:r>
-              <a:rPr lang="en-US" altLang="en-US" u="sng" dirty="0" err="1">
-                <a:solidFill>
-                  <a:srgbClr val="000000"/>
-                </a:solidFill>
-              </a:rPr>
-              <a:t>Используйте</a:t>
-            </a:r>
-            <a:r>
-              <a:rPr lang="en-US" altLang="en-US" u="sng" dirty="0">
-                <a:solidFill>
-                  <a:srgbClr val="000000"/>
-                </a:solidFill>
-              </a:rPr>
-              <a:t> </a:t>
-            </a:r>
-            <a:r>
-              <a:rPr lang="ru-RU" altLang="en-US" u="sng" dirty="0" err="1">
-                <a:solidFill>
-                  <a:srgbClr val="000000"/>
-                </a:solidFill>
-              </a:rPr>
-              <a:t>обчную</a:t>
-            </a:r>
-            <a:r>
-              <a:rPr lang="en-US" altLang="en-US" u="sng" dirty="0">
-                <a:solidFill>
-                  <a:srgbClr val="000000"/>
-                </a:solidFill>
-              </a:rPr>
-              <a:t> </a:t>
-            </a:r>
-            <a:r>
-              <a:rPr lang="en-US" altLang="en-US" u="sng" dirty="0" err="1">
-                <a:solidFill>
-                  <a:srgbClr val="000000"/>
-                </a:solidFill>
-              </a:rPr>
-              <a:t>производную</a:t>
-            </a:r>
-            <a:r>
-              <a:rPr lang="en-US" altLang="en-US" u="sng" dirty="0">
-                <a:solidFill>
-                  <a:srgbClr val="000000"/>
-                </a:solidFill>
-              </a:rPr>
-              <a:t> </a:t>
-            </a:r>
-            <a:r>
-              <a:rPr lang="en-US" altLang="en-US" u="sng" dirty="0" err="1">
-                <a:solidFill>
-                  <a:srgbClr val="000000"/>
-                </a:solidFill>
-              </a:rPr>
-              <a:t>только</a:t>
-            </a:r>
-            <a:r>
-              <a:rPr lang="en-US" altLang="en-US" u="sng" dirty="0">
-                <a:solidFill>
-                  <a:srgbClr val="000000"/>
-                </a:solidFill>
-              </a:rPr>
-              <a:t> в </a:t>
-            </a:r>
-            <a:r>
-              <a:rPr lang="en-US" altLang="en-US" u="sng" dirty="0" err="1">
-                <a:solidFill>
-                  <a:srgbClr val="000000"/>
-                </a:solidFill>
-              </a:rPr>
-              <a:t>случае</a:t>
-            </a:r>
-            <a:r>
-              <a:rPr lang="en-US" altLang="en-US" u="sng" dirty="0">
-                <a:solidFill>
-                  <a:srgbClr val="000000"/>
-                </a:solidFill>
-              </a:rPr>
-              <a:t> </a:t>
-            </a:r>
-            <a:r>
-              <a:rPr lang="ru-RU" altLang="en-US" u="sng" dirty="0">
-                <a:solidFill>
-                  <a:srgbClr val="000000"/>
-                </a:solidFill>
-              </a:rPr>
-              <a:t>отсутствия </a:t>
-            </a:r>
-            <a:r>
-              <a:rPr lang="en-US" altLang="en-US" u="sng" dirty="0" err="1">
-                <a:solidFill>
-                  <a:srgbClr val="000000"/>
-                </a:solidFill>
-              </a:rPr>
-              <a:t>сильно</a:t>
-            </a:r>
-            <a:r>
-              <a:rPr lang="ru-RU" altLang="en-US" u="sng" dirty="0" err="1">
-                <a:solidFill>
-                  <a:srgbClr val="000000"/>
-                </a:solidFill>
-              </a:rPr>
-              <a:t>го</a:t>
-            </a:r>
-            <a:r>
-              <a:rPr lang="en-US" altLang="en-US" u="sng" dirty="0">
-                <a:solidFill>
-                  <a:srgbClr val="000000"/>
-                </a:solidFill>
-              </a:rPr>
-              <a:t> </a:t>
-            </a:r>
-            <a:r>
-              <a:rPr lang="en-US" altLang="en-US" u="sng" dirty="0" err="1">
-                <a:solidFill>
-                  <a:srgbClr val="000000"/>
-                </a:solidFill>
-              </a:rPr>
-              <a:t>сезонно</a:t>
-            </a:r>
-            <a:r>
-              <a:rPr lang="ru-RU" altLang="en-US" u="sng" dirty="0" err="1">
-                <a:solidFill>
-                  <a:srgbClr val="000000"/>
-                </a:solidFill>
-              </a:rPr>
-              <a:t>го</a:t>
-            </a:r>
-            <a:r>
-              <a:rPr lang="ru-RU" altLang="en-US" u="sng" dirty="0">
-                <a:solidFill>
-                  <a:srgbClr val="000000"/>
-                </a:solidFill>
-              </a:rPr>
-              <a:t> влияния</a:t>
-            </a:r>
-            <a:r>
-              <a:rPr lang="en-US" altLang="en-US" u="sng" dirty="0">
-                <a:solidFill>
-                  <a:srgbClr val="000000"/>
-                </a:solidFill>
-              </a:rPr>
-              <a:t> </a:t>
-            </a:r>
-            <a:endParaRPr lang="ru-RU" altLang="en-US" u="sng" dirty="0">
-              <a:solidFill>
-                <a:srgbClr val="000000"/>
-              </a:solidFill>
-            </a:endParaRPr>
-          </a:p>
-          <a:p>
-            <a:pPr marL="971550" lvl="1" indent="-514350">
-              <a:lnSpc>
-                <a:spcPct val="120000"/>
-              </a:lnSpc>
-              <a:spcBef>
-                <a:spcPts val="0"/>
-              </a:spcBef>
-              <a:buFont typeface="+mj-lt"/>
-              <a:buAutoNum type="arabicPeriod"/>
-            </a:pPr>
-            <a:r>
-              <a:rPr lang="en-US" altLang="en-US" dirty="0" err="1">
-                <a:solidFill>
-                  <a:srgbClr val="000000"/>
-                </a:solidFill>
-              </a:rPr>
-              <a:t>Добав</a:t>
-            </a:r>
-            <a:r>
-              <a:rPr lang="ru-RU" altLang="en-US" dirty="0" err="1">
-                <a:solidFill>
-                  <a:srgbClr val="000000"/>
-                </a:solidFill>
-              </a:rPr>
-              <a:t>ляйте</a:t>
-            </a:r>
-            <a:r>
-              <a:rPr lang="en-US" altLang="en-US" dirty="0">
-                <a:solidFill>
-                  <a:srgbClr val="000000"/>
-                </a:solidFill>
-              </a:rPr>
-              <a:t> </a:t>
-            </a:r>
-            <a:r>
-              <a:rPr lang="ru-RU" altLang="en-US" b="1" dirty="0">
-                <a:solidFill>
-                  <a:srgbClr val="000000"/>
-                </a:solidFill>
-              </a:rPr>
-              <a:t>как можно больше</a:t>
-            </a:r>
-            <a:r>
-              <a:rPr lang="en-US" altLang="en-US" b="1" dirty="0">
-                <a:solidFill>
-                  <a:srgbClr val="000000"/>
-                </a:solidFill>
-              </a:rPr>
-              <a:t> SAR</a:t>
-            </a:r>
-            <a:r>
-              <a:rPr lang="ru-RU" altLang="en-US" b="1" dirty="0">
-                <a:solidFill>
-                  <a:srgbClr val="000000"/>
-                </a:solidFill>
-              </a:rPr>
-              <a:t> и </a:t>
-            </a:r>
-            <a:r>
-              <a:rPr lang="en-US" altLang="en-US" b="1" dirty="0">
-                <a:solidFill>
-                  <a:srgbClr val="000000"/>
-                </a:solidFill>
-              </a:rPr>
-              <a:t>SMA </a:t>
-            </a:r>
-            <a:r>
-              <a:rPr lang="ru-RU" altLang="en-US" b="1" dirty="0">
-                <a:solidFill>
-                  <a:srgbClr val="000000"/>
-                </a:solidFill>
-              </a:rPr>
-              <a:t> </a:t>
-            </a:r>
-            <a:r>
-              <a:rPr lang="ru-RU" altLang="en-US" b="1" dirty="0" err="1">
-                <a:solidFill>
-                  <a:srgbClr val="000000"/>
-                </a:solidFill>
-              </a:rPr>
-              <a:t>слогаемых</a:t>
-            </a:r>
-            <a:endParaRPr lang="ru-RU" altLang="en-US" b="1" dirty="0">
-              <a:solidFill>
-                <a:srgbClr val="000000"/>
-              </a:solidFill>
-            </a:endParaRPr>
-          </a:p>
-          <a:p>
-            <a:pPr marL="971550" lvl="1" indent="-514350">
-              <a:lnSpc>
-                <a:spcPct val="120000"/>
-              </a:lnSpc>
-              <a:spcBef>
-                <a:spcPts val="0"/>
-              </a:spcBef>
-              <a:buFont typeface="+mj-lt"/>
-              <a:buAutoNum type="arabicPeriod"/>
-            </a:pPr>
-            <a:r>
-              <a:rPr lang="ru-RU" dirty="0">
-                <a:cs typeface="Times New Roman" panose="02020603050405020304" pitchFamily="18" charset="0"/>
-              </a:rPr>
-              <a:t>Старайтесь избегать больше двух слагаемых </a:t>
-            </a:r>
-            <a:r>
-              <a:rPr lang="en-US" dirty="0">
-                <a:cs typeface="Times New Roman" panose="02020603050405020304" pitchFamily="18" charset="0"/>
-              </a:rPr>
-              <a:t>AR+MA</a:t>
-            </a:r>
-          </a:p>
-          <a:p>
-            <a:pPr marL="971550" lvl="1" indent="-514350">
-              <a:lnSpc>
-                <a:spcPct val="120000"/>
-              </a:lnSpc>
-              <a:spcBef>
-                <a:spcPts val="0"/>
-              </a:spcBef>
-              <a:buFont typeface="+mj-lt"/>
-              <a:buAutoNum type="arabicPeriod"/>
-            </a:pPr>
-            <a:r>
-              <a:rPr lang="ru-RU" dirty="0"/>
-              <a:t>Вводить сезонную составляющую нужно если есть нестационарный тренд</a:t>
-            </a:r>
-          </a:p>
-          <a:p>
-            <a:pPr marL="454025" lvl="1" indent="-454025">
-              <a:lnSpc>
-                <a:spcPct val="120000"/>
-              </a:lnSpc>
-              <a:spcBef>
-                <a:spcPts val="0"/>
-              </a:spcBef>
-            </a:pPr>
-            <a:r>
-              <a:rPr lang="ru-RU" sz="1600" b="1" dirty="0" smtClean="0">
-                <a:cs typeface="Times New Roman" panose="02020603050405020304" pitchFamily="18" charset="0"/>
-              </a:rPr>
-              <a:t>Выберите </a:t>
-            </a:r>
-            <a:r>
-              <a:rPr lang="ru-RU" sz="1600" b="1" dirty="0">
-                <a:cs typeface="Times New Roman" panose="02020603050405020304" pitchFamily="18" charset="0"/>
-              </a:rPr>
-              <a:t>лучшую модель </a:t>
-            </a:r>
-            <a:r>
-              <a:rPr lang="ru-RU" sz="1600" dirty="0">
-                <a:cs typeface="Times New Roman" panose="02020603050405020304" pitchFamily="18" charset="0"/>
-              </a:rPr>
-              <a:t>Открытый вопрос (можно выбирать другие </a:t>
-            </a:r>
-            <a:r>
-              <a:rPr lang="ru-RU" sz="1600" dirty="0" smtClean="0">
-                <a:cs typeface="Times New Roman" panose="02020603050405020304" pitchFamily="18" charset="0"/>
-              </a:rPr>
-              <a:t>цифры</a:t>
-            </a:r>
-            <a:r>
-              <a:rPr lang="ru-RU" sz="1600" dirty="0">
-                <a:cs typeface="Times New Roman" panose="02020603050405020304" pitchFamily="18" charset="0"/>
-              </a:rPr>
-              <a:t>, чем меньше в абсолютных цифрах тем лучше</a:t>
-            </a:r>
-          </a:p>
-          <a:p>
-            <a:pPr marL="914400" lvl="1" indent="-457200">
-              <a:buFont typeface="+mj-lt"/>
-              <a:buAutoNum type="arabicPeriod"/>
-            </a:pPr>
-            <a:endParaRPr lang="ru-RU" sz="2000" dirty="0">
-              <a:cs typeface="Times New Roman" panose="02020603050405020304" pitchFamily="18" charset="0"/>
-            </a:endParaRPr>
-          </a:p>
-          <a:p>
-            <a:pPr marL="914400" lvl="1" indent="-457200">
-              <a:buFont typeface="+mj-lt"/>
-              <a:buAutoNum type="arabicPeriod"/>
-            </a:pPr>
-            <a:endParaRPr lang="ru-RU" sz="1900" dirty="0">
-              <a:ea typeface="Calibri" panose="020F0502020204030204" pitchFamily="34" charset="0"/>
-              <a:cs typeface="Times New Roman" panose="02020603050405020304" pitchFamily="18" charset="0"/>
-            </a:endParaRPr>
-          </a:p>
-          <a:p>
-            <a:pPr marL="914400" lvl="1" indent="-457200">
-              <a:buFont typeface="+mj-lt"/>
-              <a:buAutoNum type="arabicPeriod"/>
-            </a:pPr>
-            <a:endParaRPr lang="ru-RU" sz="1900" dirty="0">
-              <a:ea typeface="Calibri" panose="020F0502020204030204" pitchFamily="34" charset="0"/>
-              <a:cs typeface="Times New Roman" panose="02020603050405020304" pitchFamily="18" charset="0"/>
-            </a:endParaRPr>
-          </a:p>
-          <a:p>
-            <a:pPr marL="914400" lvl="1" indent="-457200">
-              <a:buFont typeface="+mj-lt"/>
-              <a:buAutoNum type="arabicPeriod"/>
-            </a:pPr>
-            <a:endParaRPr lang="en-US" sz="1900" b="1" dirty="0" smtClean="0">
-              <a:ea typeface="Calibri" panose="020F0502020204030204" pitchFamily="34" charset="0"/>
-              <a:cs typeface="Times New Roman" panose="02020603050405020304" pitchFamily="18" charset="0"/>
-            </a:endParaRPr>
-          </a:p>
-          <a:p>
-            <a:pPr marL="914400" lvl="1" indent="-457200">
-              <a:buFont typeface="+mj-lt"/>
-              <a:buAutoNum type="arabicPeriod"/>
-            </a:pPr>
-            <a:endParaRPr lang="ru-RU" sz="1900" b="1" dirty="0">
-              <a:ea typeface="Calibri" panose="020F0502020204030204" pitchFamily="34" charset="0"/>
-              <a:cs typeface="Times New Roman" panose="02020603050405020304" pitchFamily="18" charset="0"/>
-            </a:endParaRPr>
-          </a:p>
-        </p:txBody>
-      </p:sp>
-      <p:pic>
-        <p:nvPicPr>
-          <p:cNvPr id="14" name="Picture 2" descr="image.png">
-            <a:extLst>
-              <a:ext uri="{FF2B5EF4-FFF2-40B4-BE49-F238E27FC236}">
-                <a16:creationId xmlns:a16="http://schemas.microsoft.com/office/drawing/2014/main" id="{96914EE8-4BAF-4AC7-DD23-24DBE4CEF312}"/>
-              </a:ext>
-            </a:extLst>
-          </p:cNvPr>
-          <p:cNvPicPr>
-            <a:picLocks noChangeAspect="1" noChangeArrowheads="1"/>
-          </p:cNvPicPr>
-          <p:nvPr/>
-        </p:nvPicPr>
-        <p:blipFill rotWithShape="1">
-          <a:blip r:embed="rId2">
-            <a:extLst>
-              <a:ext uri="{28A0092B-C50C-407E-A947-70E740481C1C}">
-                <a14:useLocalDpi xmlns:a14="http://schemas.microsoft.com/office/drawing/2010/main" val="0"/>
-              </a:ext>
-            </a:extLst>
-          </a:blip>
-          <a:srcRect r="74692"/>
-          <a:stretch/>
-        </p:blipFill>
-        <p:spPr bwMode="auto">
-          <a:xfrm>
-            <a:off x="3890865" y="5579574"/>
-            <a:ext cx="1197698" cy="1305933"/>
-          </a:xfrm>
-          <a:prstGeom prst="rect">
-            <a:avLst/>
-          </a:prstGeom>
-          <a:noFill/>
-          <a:extLst>
-            <a:ext uri="{909E8E84-426E-40DD-AFC4-6F175D3DCCD1}">
-              <a14:hiddenFill xmlns:a14="http://schemas.microsoft.com/office/drawing/2010/main">
-                <a:solidFill>
-                  <a:srgbClr val="FFFFFF"/>
-                </a:solidFill>
-              </a14:hiddenFill>
-            </a:ext>
-          </a:extLst>
-        </p:spPr>
-      </p:pic>
-      <p:pic>
-        <p:nvPicPr>
-          <p:cNvPr id="15" name="Picture 2" descr="image.png">
-            <a:extLst>
-              <a:ext uri="{FF2B5EF4-FFF2-40B4-BE49-F238E27FC236}">
-                <a16:creationId xmlns:a16="http://schemas.microsoft.com/office/drawing/2014/main" id="{A9DADE37-3572-AB97-4B4B-624E48B973A9}"/>
-              </a:ext>
-            </a:extLst>
-          </p:cNvPr>
-          <p:cNvPicPr>
-            <a:picLocks noChangeAspect="1" noChangeArrowheads="1"/>
-          </p:cNvPicPr>
-          <p:nvPr/>
-        </p:nvPicPr>
-        <p:blipFill rotWithShape="1">
-          <a:blip r:embed="rId2">
-            <a:extLst>
-              <a:ext uri="{28A0092B-C50C-407E-A947-70E740481C1C}">
-                <a14:useLocalDpi xmlns:a14="http://schemas.microsoft.com/office/drawing/2010/main" val="0"/>
-              </a:ext>
-            </a:extLst>
-          </a:blip>
-          <a:srcRect l="84016"/>
-          <a:stretch/>
-        </p:blipFill>
-        <p:spPr bwMode="auto">
-          <a:xfrm>
-            <a:off x="5820574" y="5611661"/>
-            <a:ext cx="728276" cy="1257274"/>
-          </a:xfrm>
-          <a:prstGeom prst="rect">
-            <a:avLst/>
-          </a:prstGeom>
-          <a:noFill/>
-          <a:extLst>
-            <a:ext uri="{909E8E84-426E-40DD-AFC4-6F175D3DCCD1}">
-              <a14:hiddenFill xmlns:a14="http://schemas.microsoft.com/office/drawing/2010/main">
-                <a:solidFill>
-                  <a:srgbClr val="FFFFFF"/>
-                </a:solidFill>
-              </a14:hiddenFill>
-            </a:ext>
-          </a:extLst>
-        </p:spPr>
-      </p:pic>
-      <mc:AlternateContent xmlns:mc="http://schemas.openxmlformats.org/markup-compatibility/2006" xmlns:a14="http://schemas.microsoft.com/office/drawing/2010/main">
-        <mc:Choice Requires="a14">
-          <p:sp>
-            <p:nvSpPr>
-              <p:cNvPr id="4" name="Прямоугольник 3"/>
-              <p:cNvSpPr/>
-              <p:nvPr/>
-            </p:nvSpPr>
-            <p:spPr>
-              <a:xfrm>
-                <a:off x="6056436" y="5611661"/>
-                <a:ext cx="4301434" cy="810543"/>
-              </a:xfrm>
-              <a:prstGeom prst="rect">
-                <a:avLst/>
-              </a:prstGeom>
-            </p:spPr>
-            <p:txBody>
-              <a:bodyPr wrap="none">
-                <a:spAutoFit/>
-              </a:bodyPr>
-              <a:lstStyle/>
-              <a:p>
-                <a:pPr lvl="1"/>
-                <a14:m>
-                  <m:oMath xmlns:m="http://schemas.openxmlformats.org/officeDocument/2006/math">
-                    <m:r>
-                      <a:rPr lang="en-US" i="1">
-                        <a:latin typeface="Cambria Math" panose="02040503050406030204" pitchFamily="18" charset="0"/>
-                      </a:rPr>
-                      <m:t>𝐴𝐼𝐶𝑐</m:t>
-                    </m:r>
-                    <m:r>
-                      <a:rPr lang="en-US" i="1">
-                        <a:latin typeface="Cambria Math" panose="02040503050406030204" pitchFamily="18" charset="0"/>
-                      </a:rPr>
-                      <m:t>=</m:t>
-                    </m:r>
-                    <m:r>
-                      <a:rPr lang="en-US" i="1">
-                        <a:latin typeface="Cambria Math" panose="02040503050406030204" pitchFamily="18" charset="0"/>
-                      </a:rPr>
-                      <m:t>𝐴𝐼𝐶</m:t>
-                    </m:r>
-                    <m:r>
-                      <a:rPr lang="en-US" i="1">
-                        <a:latin typeface="Cambria Math" panose="02040503050406030204" pitchFamily="18" charset="0"/>
-                      </a:rPr>
-                      <m:t>+</m:t>
-                    </m:r>
-                    <m:f>
-                      <m:fPr>
-                        <m:ctrlPr>
-                          <a:rPr lang="en-US" i="1">
-                            <a:latin typeface="Cambria Math" panose="02040503050406030204" pitchFamily="18" charset="0"/>
-                          </a:rPr>
-                        </m:ctrlPr>
-                      </m:fPr>
-                      <m:num>
-                        <m:r>
-                          <a:rPr lang="en-US" i="1">
-                            <a:latin typeface="Cambria Math" panose="02040503050406030204" pitchFamily="18" charset="0"/>
-                          </a:rPr>
-                          <m:t>2</m:t>
-                        </m:r>
-                        <m:r>
-                          <a:rPr lang="en-US" i="1">
-                            <a:latin typeface="Cambria Math" panose="02040503050406030204" pitchFamily="18" charset="0"/>
-                          </a:rPr>
-                          <m:t>𝑘</m:t>
-                        </m:r>
-                        <m:r>
-                          <a:rPr lang="en-US" i="1">
-                            <a:latin typeface="Cambria Math" panose="02040503050406030204" pitchFamily="18" charset="0"/>
-                          </a:rPr>
-                          <m:t>(</m:t>
-                        </m:r>
-                        <m:r>
-                          <a:rPr lang="en-US" i="1">
-                            <a:latin typeface="Cambria Math" panose="02040503050406030204" pitchFamily="18" charset="0"/>
-                          </a:rPr>
-                          <m:t>𝑘</m:t>
-                        </m:r>
-                        <m:r>
-                          <a:rPr lang="en-US" i="1">
-                            <a:latin typeface="Cambria Math" panose="02040503050406030204" pitchFamily="18" charset="0"/>
-                          </a:rPr>
-                          <m:t>+1)</m:t>
-                        </m:r>
-                      </m:num>
-                      <m:den>
-                        <m:r>
-                          <a:rPr lang="en-US" i="1">
-                            <a:latin typeface="Cambria Math" panose="02040503050406030204" pitchFamily="18" charset="0"/>
-                          </a:rPr>
-                          <m:t>𝑁</m:t>
-                        </m:r>
-                        <m:r>
-                          <a:rPr lang="en-US" i="1">
-                            <a:latin typeface="Cambria Math" panose="02040503050406030204" pitchFamily="18" charset="0"/>
-                          </a:rPr>
-                          <m:t>−(</m:t>
-                        </m:r>
-                        <m:r>
-                          <a:rPr lang="en-US" i="1">
-                            <a:latin typeface="Cambria Math" panose="02040503050406030204" pitchFamily="18" charset="0"/>
-                          </a:rPr>
-                          <m:t>𝑘</m:t>
-                        </m:r>
-                        <m:r>
-                          <a:rPr lang="en-US" i="1">
-                            <a:latin typeface="Cambria Math" panose="02040503050406030204" pitchFamily="18" charset="0"/>
-                          </a:rPr>
-                          <m:t>+1)</m:t>
-                        </m:r>
-                      </m:den>
-                    </m:f>
-                  </m:oMath>
-                </a14:m>
-                <a:r>
-                  <a:rPr lang="ru-RU" dirty="0"/>
-                  <a:t> </a:t>
-                </a:r>
-                <a:endParaRPr lang="en-US" dirty="0" smtClean="0"/>
-              </a:p>
-              <a:p>
-                <a:pPr lvl="1"/>
-                <a:r>
-                  <a:rPr lang="ru-RU" dirty="0" smtClean="0"/>
-                  <a:t>где </a:t>
-                </a:r>
-                <a14:m>
-                  <m:oMath xmlns:m="http://schemas.openxmlformats.org/officeDocument/2006/math">
-                    <m:sSup>
-                      <m:sSupPr>
-                        <m:ctrlPr>
-                          <a:rPr lang="en-US" i="1">
-                            <a:latin typeface="Cambria Math" panose="02040503050406030204" pitchFamily="18" charset="0"/>
-                          </a:rPr>
-                        </m:ctrlPr>
-                      </m:sSupPr>
-                      <m:e>
-                        <m:acc>
-                          <m:accPr>
-                            <m:chr m:val="̂"/>
-                            <m:ctrlPr>
-                              <a:rPr lang="en-US" i="1">
-                                <a:latin typeface="Cambria Math" panose="02040503050406030204" pitchFamily="18" charset="0"/>
-                              </a:rPr>
-                            </m:ctrlPr>
-                          </m:accPr>
-                          <m:e>
-                            <m:r>
-                              <a:rPr lang="en-US" i="1">
-                                <a:latin typeface="Cambria Math" panose="02040503050406030204" pitchFamily="18" charset="0"/>
-                              </a:rPr>
-                              <m:t>𝜎</m:t>
-                            </m:r>
-                          </m:e>
-                        </m:acc>
-                      </m:e>
-                      <m:sup>
-                        <m:r>
-                          <a:rPr lang="en-US" i="1">
-                            <a:latin typeface="Cambria Math" panose="02040503050406030204" pitchFamily="18" charset="0"/>
-                          </a:rPr>
-                          <m:t>2</m:t>
-                        </m:r>
-                      </m:sup>
-                    </m:sSup>
-                  </m:oMath>
-                </a14:m>
-                <a:r>
-                  <a:rPr lang="ru-RU" dirty="0"/>
-                  <a:t> = </a:t>
-                </a:r>
-                <a:r>
-                  <a:rPr lang="en-US" dirty="0"/>
-                  <a:t>RSS/(N-k); </a:t>
-                </a:r>
-                <a:r>
-                  <a:rPr lang="en-US" dirty="0" smtClean="0"/>
-                  <a:t>k=p+q+d+P+D+Q+1</a:t>
-                </a:r>
-                <a:endParaRPr lang="ru-RU" dirty="0"/>
-              </a:p>
-            </p:txBody>
-          </p:sp>
-        </mc:Choice>
-        <mc:Fallback xmlns="">
-          <p:sp>
-            <p:nvSpPr>
-              <p:cNvPr id="4" name="Прямоугольник 3"/>
-              <p:cNvSpPr>
-                <a:spLocks noRot="1" noChangeAspect="1" noMove="1" noResize="1" noEditPoints="1" noAdjustHandles="1" noChangeArrowheads="1" noChangeShapeType="1" noTextEdit="1"/>
-              </p:cNvSpPr>
-              <p:nvPr/>
-            </p:nvSpPr>
-            <p:spPr>
-              <a:xfrm>
-                <a:off x="6056436" y="5611661"/>
-                <a:ext cx="4301434" cy="810543"/>
-              </a:xfrm>
-              <a:prstGeom prst="rect">
-                <a:avLst/>
-              </a:prstGeom>
-              <a:blipFill>
-                <a:blip r:embed="rId3"/>
-                <a:stretch>
-                  <a:fillRect r="-709" b="-11278"/>
-                </a:stretch>
-              </a:blipFill>
-            </p:spPr>
-            <p:txBody>
-              <a:bodyPr/>
-              <a:lstStyle/>
-              <a:p>
-                <a:r>
-                  <a:rPr lang="ru-RU">
-                    <a:noFill/>
-                  </a:rPr>
-                  <a:t> </a:t>
-                </a:r>
-              </a:p>
-            </p:txBody>
-          </p:sp>
-        </mc:Fallback>
-      </mc:AlternateContent>
-      <p:sp>
-        <p:nvSpPr>
-          <p:cNvPr id="5" name="Прямоугольник 4"/>
-          <p:cNvSpPr/>
-          <p:nvPr/>
-        </p:nvSpPr>
-        <p:spPr>
-          <a:xfrm>
-            <a:off x="6548850" y="6440436"/>
-            <a:ext cx="5320495" cy="369332"/>
-          </a:xfrm>
-          <a:prstGeom prst="rect">
-            <a:avLst/>
-          </a:prstGeom>
-        </p:spPr>
-        <p:txBody>
-          <a:bodyPr wrap="none">
-            <a:spAutoFit/>
-          </a:bodyPr>
-          <a:lstStyle/>
-          <a:p>
-            <a:r>
-              <a:rPr lang="en-US" dirty="0" smtClean="0"/>
-              <a:t>p</a:t>
-            </a:r>
-            <a:r>
-              <a:rPr lang="ru-RU" dirty="0" smtClean="0"/>
-              <a:t>,</a:t>
-            </a:r>
-            <a:r>
-              <a:rPr lang="en-US" dirty="0" smtClean="0"/>
-              <a:t>q</a:t>
-            </a:r>
-            <a:r>
-              <a:rPr lang="ru-RU" dirty="0" smtClean="0"/>
-              <a:t>,</a:t>
-            </a:r>
-            <a:r>
-              <a:rPr lang="en-US" dirty="0" smtClean="0"/>
-              <a:t>d</a:t>
-            </a:r>
-            <a:r>
-              <a:rPr lang="ru-RU" dirty="0" smtClean="0"/>
-              <a:t>,</a:t>
-            </a:r>
-            <a:r>
-              <a:rPr lang="en-US" dirty="0" smtClean="0"/>
-              <a:t>P</a:t>
-            </a:r>
-            <a:r>
-              <a:rPr lang="ru-RU" dirty="0" smtClean="0"/>
-              <a:t>,</a:t>
-            </a:r>
-            <a:r>
-              <a:rPr lang="en-US" dirty="0" smtClean="0"/>
-              <a:t>D</a:t>
-            </a:r>
-            <a:r>
-              <a:rPr lang="ru-RU" dirty="0" smtClean="0"/>
-              <a:t>,</a:t>
-            </a:r>
-            <a:r>
-              <a:rPr lang="en-US" dirty="0" smtClean="0"/>
-              <a:t>Q – </a:t>
-            </a:r>
-            <a:r>
-              <a:rPr lang="ru-RU" dirty="0" smtClean="0"/>
-              <a:t>параметры модели, напр. (3,0,1)(0,1,2)</a:t>
-            </a:r>
-            <a:endParaRPr lang="ru-RU" dirty="0"/>
-          </a:p>
-        </p:txBody>
-      </p:sp>
-    </p:spTree>
-    <p:extLst>
-      <p:ext uri="{BB962C8B-B14F-4D97-AF65-F5344CB8AC3E}">
-        <p14:creationId xmlns:p14="http://schemas.microsoft.com/office/powerpoint/2010/main" val="3077258543"/>
-      </p:ext>
-    </p:extLst>
-  </p:cSld>
-  <p:clrMapOvr>
-    <a:masterClrMapping/>
-  </p:clrMapOvr>
-</p:sld>
-</file>
-
-<file path=ppt/slides/slide28.xml><?xml version="1.0" encoding="utf-8"?>
-<p:sld xmlns:a="http://schemas.openxmlformats.org/drawingml/2006/main" xmlns:r="http://schemas.openxmlformats.org/officeDocument/2006/relationships" xmlns:p="http://schemas.openxmlformats.org/presentationml/2006/main" show="0">
-  <p:cSld>
-    <p:spTree>
-      <p:nvGrpSpPr>
-        <p:cNvPr id="1" name=""/>
-        <p:cNvGrpSpPr/>
-        <p:nvPr/>
-      </p:nvGrpSpPr>
-      <p:grpSpPr>
-        <a:xfrm>
-          <a:off x="0" y="0"/>
-          <a:ext cx="0" cy="0"/>
-          <a:chOff x="0" y="0"/>
-          <a:chExt cx="0" cy="0"/>
-        </a:xfrm>
-      </p:grpSpPr>
-      <p:sp>
-        <p:nvSpPr>
-          <p:cNvPr id="2" name="Заголовок 1">
-            <a:extLst>
-              <a:ext uri="{FF2B5EF4-FFF2-40B4-BE49-F238E27FC236}">
-                <a16:creationId xmlns:a16="http://schemas.microsoft.com/office/drawing/2014/main" id="{E5E18C16-493F-C0F6-1226-B953C44BB2B9}"/>
-              </a:ext>
-            </a:extLst>
-          </p:cNvPr>
-          <p:cNvSpPr>
-            <a:spLocks noGrp="1"/>
-          </p:cNvSpPr>
-          <p:nvPr>
-            <p:ph type="title"/>
-          </p:nvPr>
-        </p:nvSpPr>
-        <p:spPr>
-          <a:xfrm>
-            <a:off x="398929" y="0"/>
-            <a:ext cx="10515600" cy="1325563"/>
-          </a:xfrm>
-        </p:spPr>
-        <p:txBody>
-          <a:bodyPr>
-            <a:normAutofit/>
-          </a:bodyPr>
-          <a:lstStyle/>
-          <a:p>
-            <a:r>
-              <a:rPr lang="ru-RU" sz="4800" b="1" dirty="0"/>
-              <a:t>Вопросы Продвинутые </a:t>
-            </a:r>
-            <a:r>
-              <a:rPr lang="en-US" sz="4800" b="1" dirty="0"/>
-              <a:t>(X)-</a:t>
-            </a:r>
-            <a:r>
-              <a:rPr lang="ru-RU" sz="4800" b="1" dirty="0"/>
-              <a:t>верно</a:t>
-            </a:r>
-          </a:p>
-        </p:txBody>
-      </p:sp>
-      <p:sp>
-        <p:nvSpPr>
-          <p:cNvPr id="3" name="Объект 2">
-            <a:extLst>
-              <a:ext uri="{FF2B5EF4-FFF2-40B4-BE49-F238E27FC236}">
-                <a16:creationId xmlns:a16="http://schemas.microsoft.com/office/drawing/2014/main" id="{BE421393-E6D9-4C04-F323-217F01E33B93}"/>
-              </a:ext>
-            </a:extLst>
-          </p:cNvPr>
-          <p:cNvSpPr>
-            <a:spLocks noGrp="1"/>
-          </p:cNvSpPr>
-          <p:nvPr>
-            <p:ph idx="1"/>
-          </p:nvPr>
-        </p:nvSpPr>
-        <p:spPr>
-          <a:xfrm>
-            <a:off x="398928" y="1075309"/>
-            <a:ext cx="11282083" cy="4536352"/>
-          </a:xfrm>
-        </p:spPr>
-        <p:txBody>
-          <a:bodyPr>
-            <a:normAutofit/>
-          </a:bodyPr>
-          <a:lstStyle/>
-          <a:p>
-            <a:r>
-              <a:rPr lang="ru-RU" sz="2300" b="1" dirty="0">
-                <a:ea typeface="Calibri" panose="020F0502020204030204" pitchFamily="34" charset="0"/>
-                <a:cs typeface="Times New Roman" panose="02020603050405020304" pitchFamily="18" charset="0"/>
-              </a:rPr>
-              <a:t>Выберите примеры правильных утверждение об анализе SAR</a:t>
-            </a:r>
-            <a:r>
-              <a:rPr lang="en-US" sz="2300" b="1" dirty="0">
-                <a:ea typeface="Calibri" panose="020F0502020204030204" pitchFamily="34" charset="0"/>
-                <a:cs typeface="Times New Roman" panose="02020603050405020304" pitchFamily="18" charset="0"/>
-              </a:rPr>
-              <a:t>IMA </a:t>
-            </a:r>
-            <a:r>
-              <a:rPr lang="ru-RU" sz="2300" b="1" dirty="0">
-                <a:ea typeface="Calibri" panose="020F0502020204030204" pitchFamily="34" charset="0"/>
-                <a:cs typeface="Times New Roman" panose="02020603050405020304" pitchFamily="18" charset="0"/>
-              </a:rPr>
-              <a:t>моделей</a:t>
-            </a:r>
-          </a:p>
-          <a:p>
-            <a:pPr marL="971550" lvl="1" indent="-514350">
-              <a:buFont typeface="+mj-lt"/>
-              <a:buAutoNum type="arabicPeriod"/>
-            </a:pPr>
-            <a:r>
-              <a:rPr lang="en-US" dirty="0" err="1"/>
-              <a:t>Если</a:t>
-            </a:r>
-            <a:r>
-              <a:rPr lang="en-US" dirty="0"/>
-              <a:t> </a:t>
-            </a:r>
-            <a:r>
-              <a:rPr lang="en-US" dirty="0" err="1"/>
-              <a:t>ваш</a:t>
-            </a:r>
-            <a:r>
-              <a:rPr lang="en-US" dirty="0"/>
-              <a:t> </a:t>
-            </a:r>
-            <a:r>
-              <a:rPr lang="ru-RU" dirty="0"/>
-              <a:t>ряд</a:t>
-            </a:r>
-            <a:r>
-              <a:rPr lang="en-US" dirty="0"/>
-              <a:t> </a:t>
-            </a:r>
-            <a:r>
-              <a:rPr lang="en-US" dirty="0" err="1"/>
-              <a:t>немного</a:t>
-            </a:r>
-            <a:r>
-              <a:rPr lang="en-US" dirty="0"/>
-              <a:t> </a:t>
-            </a:r>
-            <a:r>
-              <a:rPr lang="ru-RU" b="1" dirty="0" err="1"/>
-              <a:t>недодифференцирован</a:t>
-            </a:r>
-            <a:r>
-              <a:rPr lang="en-US" dirty="0"/>
-              <a:t>, </a:t>
-            </a:r>
-            <a:r>
-              <a:rPr lang="en-US" u="sng" dirty="0" err="1"/>
-              <a:t>добавт</a:t>
-            </a:r>
-            <a:r>
-              <a:rPr lang="ru-RU" u="sng" dirty="0"/>
-              <a:t>е</a:t>
-            </a:r>
-            <a:r>
-              <a:rPr lang="en-US" u="sng" dirty="0"/>
-              <a:t> </a:t>
-            </a:r>
-            <a:r>
-              <a:rPr lang="en-US" u="sng" dirty="0" err="1"/>
-              <a:t>дополнительн</a:t>
-            </a:r>
-            <a:r>
-              <a:rPr lang="ru-RU" u="sng" dirty="0" err="1"/>
-              <a:t>ое</a:t>
-            </a:r>
-            <a:r>
-              <a:rPr lang="ru-RU" u="sng" dirty="0"/>
-              <a:t> </a:t>
-            </a:r>
-            <a:r>
-              <a:rPr lang="ru-RU" u="sng" dirty="0" err="1"/>
-              <a:t>слогаемое</a:t>
-            </a:r>
-            <a:r>
-              <a:rPr lang="ru-RU" u="sng" dirty="0"/>
-              <a:t> к</a:t>
-            </a:r>
-            <a:r>
-              <a:rPr lang="en-US" u="sng" dirty="0"/>
-              <a:t> AR </a:t>
-            </a:r>
-            <a:r>
-              <a:rPr lang="en-US" u="sng" dirty="0" smtClean="0"/>
-              <a:t>(x)</a:t>
-            </a:r>
-            <a:endParaRPr lang="ru-RU" u="sng" dirty="0" smtClean="0"/>
-          </a:p>
-          <a:p>
-            <a:pPr marL="971550" lvl="1" indent="-514350">
-              <a:buFont typeface="+mj-lt"/>
-              <a:buAutoNum type="arabicPeriod"/>
-            </a:pPr>
-            <a:r>
-              <a:rPr lang="en-US" altLang="en-US" dirty="0" err="1">
-                <a:solidFill>
-                  <a:srgbClr val="000000"/>
-                </a:solidFill>
-              </a:rPr>
-              <a:t>Добавить</a:t>
-            </a:r>
-            <a:r>
-              <a:rPr lang="en-US" altLang="en-US" dirty="0">
-                <a:solidFill>
-                  <a:srgbClr val="000000"/>
-                </a:solidFill>
-              </a:rPr>
-              <a:t> </a:t>
-            </a:r>
-            <a:r>
-              <a:rPr lang="ru-RU" altLang="en-US" b="1" dirty="0" err="1">
-                <a:solidFill>
-                  <a:srgbClr val="000000"/>
-                </a:solidFill>
-              </a:rPr>
-              <a:t>слогаемое</a:t>
-            </a:r>
-            <a:r>
-              <a:rPr lang="en-US" altLang="en-US" b="1" dirty="0">
-                <a:solidFill>
-                  <a:srgbClr val="000000"/>
-                </a:solidFill>
-              </a:rPr>
-              <a:t> SAR</a:t>
-            </a:r>
-            <a:r>
-              <a:rPr lang="en-US" altLang="en-US" dirty="0">
-                <a:solidFill>
-                  <a:srgbClr val="000000"/>
-                </a:solidFill>
-              </a:rPr>
-              <a:t>, </a:t>
-            </a:r>
-            <a:r>
-              <a:rPr lang="en-US" altLang="en-US" u="sng" dirty="0" err="1">
-                <a:solidFill>
-                  <a:srgbClr val="000000"/>
-                </a:solidFill>
-              </a:rPr>
-              <a:t>Если</a:t>
-            </a:r>
-            <a:r>
-              <a:rPr lang="en-US" altLang="en-US" u="sng" dirty="0">
-                <a:solidFill>
-                  <a:srgbClr val="000000"/>
-                </a:solidFill>
-              </a:rPr>
-              <a:t> ACF </a:t>
-            </a:r>
-            <a:r>
-              <a:rPr lang="en-US" altLang="en-US" u="sng" dirty="0" err="1">
-                <a:solidFill>
-                  <a:srgbClr val="000000"/>
-                </a:solidFill>
-              </a:rPr>
-              <a:t>периодически</a:t>
-            </a:r>
-            <a:r>
-              <a:rPr lang="en-US" altLang="en-US" u="sng" dirty="0">
-                <a:solidFill>
-                  <a:srgbClr val="000000"/>
-                </a:solidFill>
-              </a:rPr>
-              <a:t> </a:t>
-            </a:r>
-            <a:r>
-              <a:rPr lang="en-US" altLang="en-US" u="sng" dirty="0" err="1" smtClean="0">
-                <a:solidFill>
-                  <a:srgbClr val="000000"/>
-                </a:solidFill>
-              </a:rPr>
-              <a:t>положительный</a:t>
-            </a:r>
-            <a:r>
-              <a:rPr lang="ru-RU" altLang="en-US" dirty="0">
-                <a:cs typeface="Times New Roman" panose="02020603050405020304" pitchFamily="18" charset="0"/>
-              </a:rPr>
-              <a:t> </a:t>
-            </a:r>
-            <a:r>
-              <a:rPr lang="en-US" altLang="en-US" dirty="0" smtClean="0">
-                <a:cs typeface="Times New Roman" panose="02020603050405020304" pitchFamily="18" charset="0"/>
-              </a:rPr>
-              <a:t>(x)</a:t>
-            </a:r>
-            <a:endParaRPr lang="ru-RU" dirty="0">
-              <a:cs typeface="Times New Roman" panose="02020603050405020304" pitchFamily="18" charset="0"/>
-            </a:endParaRPr>
-          </a:p>
-          <a:p>
-            <a:pPr marL="971550" lvl="1" indent="-514350">
-              <a:buFont typeface="+mj-lt"/>
-              <a:buAutoNum type="arabicPeriod"/>
-            </a:pPr>
-            <a:r>
-              <a:rPr lang="en-US" altLang="en-US" u="sng" dirty="0" err="1">
-                <a:solidFill>
-                  <a:srgbClr val="000000"/>
-                </a:solidFill>
-              </a:rPr>
-              <a:t>Используйте</a:t>
-            </a:r>
-            <a:r>
-              <a:rPr lang="en-US" altLang="en-US" u="sng" dirty="0">
-                <a:solidFill>
-                  <a:srgbClr val="000000"/>
-                </a:solidFill>
-              </a:rPr>
-              <a:t> </a:t>
-            </a:r>
-            <a:r>
-              <a:rPr lang="en-US" altLang="en-US" u="sng" dirty="0" err="1">
-                <a:solidFill>
-                  <a:srgbClr val="000000"/>
-                </a:solidFill>
-              </a:rPr>
-              <a:t>сезонную</a:t>
-            </a:r>
-            <a:r>
-              <a:rPr lang="en-US" altLang="en-US" u="sng" dirty="0">
-                <a:solidFill>
-                  <a:srgbClr val="000000"/>
-                </a:solidFill>
-              </a:rPr>
-              <a:t> </a:t>
-            </a:r>
-            <a:r>
-              <a:rPr lang="en-US" altLang="en-US" u="sng" dirty="0" err="1">
-                <a:solidFill>
-                  <a:srgbClr val="000000"/>
-                </a:solidFill>
-              </a:rPr>
-              <a:t>производную</a:t>
-            </a:r>
-            <a:r>
-              <a:rPr lang="en-US" altLang="en-US" u="sng" dirty="0">
-                <a:solidFill>
-                  <a:srgbClr val="000000"/>
-                </a:solidFill>
-              </a:rPr>
-              <a:t> </a:t>
-            </a:r>
-            <a:r>
-              <a:rPr lang="en-US" altLang="en-US" u="sng" dirty="0" err="1">
-                <a:solidFill>
-                  <a:srgbClr val="000000"/>
-                </a:solidFill>
-              </a:rPr>
-              <a:t>только</a:t>
-            </a:r>
-            <a:r>
-              <a:rPr lang="en-US" altLang="en-US" u="sng" dirty="0">
-                <a:solidFill>
-                  <a:srgbClr val="000000"/>
-                </a:solidFill>
-              </a:rPr>
-              <a:t> в </a:t>
-            </a:r>
-            <a:r>
-              <a:rPr lang="en-US" altLang="en-US" u="sng" dirty="0" err="1">
-                <a:solidFill>
-                  <a:srgbClr val="000000"/>
-                </a:solidFill>
-              </a:rPr>
-              <a:t>случае</a:t>
-            </a:r>
-            <a:r>
-              <a:rPr lang="en-US" altLang="en-US" u="sng" dirty="0">
-                <a:solidFill>
-                  <a:srgbClr val="000000"/>
-                </a:solidFill>
-              </a:rPr>
-              <a:t> </a:t>
-            </a:r>
-            <a:r>
-              <a:rPr lang="en-US" altLang="en-US" u="sng" dirty="0" err="1">
-                <a:solidFill>
-                  <a:srgbClr val="000000"/>
-                </a:solidFill>
-              </a:rPr>
-              <a:t>сильно</a:t>
-            </a:r>
-            <a:r>
-              <a:rPr lang="ru-RU" altLang="en-US" u="sng" dirty="0" err="1">
-                <a:solidFill>
-                  <a:srgbClr val="000000"/>
-                </a:solidFill>
-              </a:rPr>
-              <a:t>го</a:t>
-            </a:r>
-            <a:r>
-              <a:rPr lang="en-US" altLang="en-US" u="sng" dirty="0">
-                <a:solidFill>
-                  <a:srgbClr val="000000"/>
-                </a:solidFill>
-              </a:rPr>
-              <a:t> </a:t>
-            </a:r>
-            <a:r>
-              <a:rPr lang="en-US" altLang="en-US" u="sng" dirty="0" err="1">
-                <a:solidFill>
-                  <a:srgbClr val="000000"/>
-                </a:solidFill>
-              </a:rPr>
-              <a:t>сезонно</a:t>
-            </a:r>
-            <a:r>
-              <a:rPr lang="ru-RU" altLang="en-US" u="sng" dirty="0" err="1">
-                <a:solidFill>
-                  <a:srgbClr val="000000"/>
-                </a:solidFill>
-              </a:rPr>
-              <a:t>го</a:t>
-            </a:r>
-            <a:r>
-              <a:rPr lang="ru-RU" altLang="en-US" u="sng" dirty="0">
-                <a:solidFill>
-                  <a:srgbClr val="000000"/>
-                </a:solidFill>
-              </a:rPr>
-              <a:t> </a:t>
-            </a:r>
-            <a:r>
-              <a:rPr lang="ru-RU" altLang="en-US" u="sng" dirty="0" smtClean="0">
-                <a:solidFill>
-                  <a:srgbClr val="000000"/>
-                </a:solidFill>
-              </a:rPr>
-              <a:t>влияния</a:t>
-            </a:r>
-            <a:r>
-              <a:rPr lang="en-US" altLang="en-US" u="sng" dirty="0" smtClean="0">
-                <a:solidFill>
-                  <a:srgbClr val="000000"/>
-                </a:solidFill>
-              </a:rPr>
-              <a:t> (x)</a:t>
-            </a:r>
-            <a:r>
-              <a:rPr lang="ru-RU" altLang="en-US" u="sng" dirty="0" smtClean="0">
-                <a:solidFill>
-                  <a:srgbClr val="000000"/>
-                </a:solidFill>
-              </a:rPr>
-              <a:t> </a:t>
-            </a:r>
-            <a:endParaRPr lang="en-US" altLang="en-US" u="sng" dirty="0" smtClean="0">
-              <a:solidFill>
-                <a:srgbClr val="000000"/>
-              </a:solidFill>
-            </a:endParaRPr>
-          </a:p>
-          <a:p>
-            <a:pPr marL="971550" lvl="1" indent="-514350">
-              <a:buFont typeface="+mj-lt"/>
-              <a:buAutoNum type="arabicPeriod"/>
-            </a:pPr>
-            <a:r>
-              <a:rPr lang="en-US" altLang="en-US" u="sng" dirty="0" err="1">
-                <a:solidFill>
-                  <a:srgbClr val="000000"/>
-                </a:solidFill>
-              </a:rPr>
-              <a:t>Используйте</a:t>
-            </a:r>
-            <a:r>
-              <a:rPr lang="en-US" altLang="en-US" u="sng" dirty="0">
-                <a:solidFill>
-                  <a:srgbClr val="000000"/>
-                </a:solidFill>
-              </a:rPr>
-              <a:t> </a:t>
-            </a:r>
-            <a:r>
-              <a:rPr lang="ru-RU" altLang="en-US" u="sng" dirty="0" err="1" smtClean="0">
-                <a:solidFill>
-                  <a:srgbClr val="000000"/>
-                </a:solidFill>
-              </a:rPr>
-              <a:t>обчную</a:t>
-            </a:r>
-            <a:r>
-              <a:rPr lang="en-US" altLang="en-US" u="sng" dirty="0" smtClean="0">
-                <a:solidFill>
-                  <a:srgbClr val="000000"/>
-                </a:solidFill>
-              </a:rPr>
-              <a:t> </a:t>
-            </a:r>
-            <a:r>
-              <a:rPr lang="en-US" altLang="en-US" u="sng" dirty="0" err="1">
-                <a:solidFill>
-                  <a:srgbClr val="000000"/>
-                </a:solidFill>
-              </a:rPr>
-              <a:t>производную</a:t>
-            </a:r>
-            <a:r>
-              <a:rPr lang="en-US" altLang="en-US" u="sng" dirty="0">
-                <a:solidFill>
-                  <a:srgbClr val="000000"/>
-                </a:solidFill>
-              </a:rPr>
-              <a:t> </a:t>
-            </a:r>
-            <a:r>
-              <a:rPr lang="en-US" altLang="en-US" u="sng" dirty="0" err="1">
-                <a:solidFill>
-                  <a:srgbClr val="000000"/>
-                </a:solidFill>
-              </a:rPr>
-              <a:t>только</a:t>
-            </a:r>
-            <a:r>
-              <a:rPr lang="en-US" altLang="en-US" u="sng" dirty="0">
-                <a:solidFill>
-                  <a:srgbClr val="000000"/>
-                </a:solidFill>
-              </a:rPr>
-              <a:t> в </a:t>
-            </a:r>
-            <a:r>
-              <a:rPr lang="en-US" altLang="en-US" u="sng" dirty="0" err="1">
-                <a:solidFill>
-                  <a:srgbClr val="000000"/>
-                </a:solidFill>
-              </a:rPr>
-              <a:t>случае</a:t>
-            </a:r>
-            <a:r>
-              <a:rPr lang="en-US" altLang="en-US" u="sng" dirty="0">
-                <a:solidFill>
-                  <a:srgbClr val="000000"/>
-                </a:solidFill>
-              </a:rPr>
-              <a:t> </a:t>
-            </a:r>
-            <a:r>
-              <a:rPr lang="ru-RU" altLang="en-US" u="sng" dirty="0" smtClean="0">
-                <a:solidFill>
-                  <a:srgbClr val="000000"/>
-                </a:solidFill>
-              </a:rPr>
-              <a:t>отсутствия </a:t>
-            </a:r>
-            <a:r>
-              <a:rPr lang="en-US" altLang="en-US" u="sng" dirty="0" err="1" smtClean="0">
-                <a:solidFill>
-                  <a:srgbClr val="000000"/>
-                </a:solidFill>
-              </a:rPr>
-              <a:t>сильно</a:t>
-            </a:r>
-            <a:r>
-              <a:rPr lang="ru-RU" altLang="en-US" u="sng" dirty="0" err="1">
-                <a:solidFill>
-                  <a:srgbClr val="000000"/>
-                </a:solidFill>
-              </a:rPr>
-              <a:t>го</a:t>
-            </a:r>
-            <a:r>
-              <a:rPr lang="en-US" altLang="en-US" u="sng" dirty="0">
-                <a:solidFill>
-                  <a:srgbClr val="000000"/>
-                </a:solidFill>
-              </a:rPr>
-              <a:t> </a:t>
-            </a:r>
-            <a:r>
-              <a:rPr lang="en-US" altLang="en-US" u="sng" dirty="0" err="1">
-                <a:solidFill>
-                  <a:srgbClr val="000000"/>
-                </a:solidFill>
-              </a:rPr>
-              <a:t>сезонно</a:t>
-            </a:r>
-            <a:r>
-              <a:rPr lang="ru-RU" altLang="en-US" u="sng" dirty="0" err="1">
-                <a:solidFill>
-                  <a:srgbClr val="000000"/>
-                </a:solidFill>
-              </a:rPr>
-              <a:t>го</a:t>
-            </a:r>
-            <a:r>
-              <a:rPr lang="ru-RU" altLang="en-US" u="sng" dirty="0">
-                <a:solidFill>
-                  <a:srgbClr val="000000"/>
-                </a:solidFill>
-              </a:rPr>
-              <a:t> влияния</a:t>
-            </a:r>
-            <a:r>
-              <a:rPr lang="en-US" altLang="en-US" u="sng" dirty="0">
-                <a:solidFill>
-                  <a:srgbClr val="000000"/>
-                </a:solidFill>
-              </a:rPr>
-              <a:t> </a:t>
-            </a:r>
-            <a:endParaRPr lang="ru-RU" altLang="en-US" u="sng" dirty="0" smtClean="0">
-              <a:solidFill>
-                <a:srgbClr val="000000"/>
-              </a:solidFill>
-            </a:endParaRPr>
-          </a:p>
-          <a:p>
-            <a:pPr marL="971550" lvl="1" indent="-514350">
-              <a:buFont typeface="+mj-lt"/>
-              <a:buAutoNum type="arabicPeriod"/>
-            </a:pPr>
-            <a:r>
-              <a:rPr lang="en-US" altLang="en-US" dirty="0" err="1" smtClean="0">
-                <a:solidFill>
-                  <a:srgbClr val="000000"/>
-                </a:solidFill>
-              </a:rPr>
-              <a:t>Добав</a:t>
-            </a:r>
-            <a:r>
-              <a:rPr lang="ru-RU" altLang="en-US" dirty="0" err="1" smtClean="0">
-                <a:solidFill>
-                  <a:srgbClr val="000000"/>
-                </a:solidFill>
-              </a:rPr>
-              <a:t>ляйте</a:t>
-            </a:r>
-            <a:r>
-              <a:rPr lang="en-US" altLang="en-US" dirty="0" smtClean="0">
-                <a:solidFill>
-                  <a:srgbClr val="000000"/>
-                </a:solidFill>
-              </a:rPr>
-              <a:t> </a:t>
-            </a:r>
-            <a:r>
-              <a:rPr lang="ru-RU" altLang="en-US" b="1" dirty="0" smtClean="0">
-                <a:solidFill>
-                  <a:srgbClr val="000000"/>
-                </a:solidFill>
-              </a:rPr>
-              <a:t>как можно больше</a:t>
-            </a:r>
-            <a:r>
-              <a:rPr lang="en-US" altLang="en-US" b="1" dirty="0" smtClean="0">
-                <a:solidFill>
-                  <a:srgbClr val="000000"/>
-                </a:solidFill>
-              </a:rPr>
-              <a:t> SAR</a:t>
-            </a:r>
-            <a:r>
-              <a:rPr lang="ru-RU" altLang="en-US" b="1" dirty="0" smtClean="0">
-                <a:solidFill>
-                  <a:srgbClr val="000000"/>
-                </a:solidFill>
-              </a:rPr>
-              <a:t> и </a:t>
-            </a:r>
-            <a:r>
-              <a:rPr lang="en-US" altLang="en-US" b="1" dirty="0" smtClean="0">
-                <a:solidFill>
-                  <a:srgbClr val="000000"/>
-                </a:solidFill>
-              </a:rPr>
-              <a:t>SMA </a:t>
-            </a:r>
-            <a:r>
-              <a:rPr lang="ru-RU" altLang="en-US" b="1" dirty="0" smtClean="0">
-                <a:solidFill>
-                  <a:srgbClr val="000000"/>
-                </a:solidFill>
-              </a:rPr>
-              <a:t> </a:t>
-            </a:r>
-            <a:r>
-              <a:rPr lang="ru-RU" altLang="en-US" b="1" dirty="0" err="1" smtClean="0">
-                <a:solidFill>
-                  <a:srgbClr val="000000"/>
-                </a:solidFill>
-              </a:rPr>
-              <a:t>слогаемых</a:t>
-            </a:r>
-            <a:endParaRPr lang="ru-RU" altLang="en-US" b="1" dirty="0" smtClean="0">
-              <a:solidFill>
-                <a:srgbClr val="000000"/>
-              </a:solidFill>
-            </a:endParaRPr>
-          </a:p>
-          <a:p>
-            <a:pPr marL="971550" lvl="1" indent="-514350">
-              <a:buFont typeface="+mj-lt"/>
-              <a:buAutoNum type="arabicPeriod"/>
-            </a:pPr>
-            <a:r>
-              <a:rPr lang="ru-RU" dirty="0" smtClean="0">
-                <a:cs typeface="Times New Roman" panose="02020603050405020304" pitchFamily="18" charset="0"/>
-              </a:rPr>
-              <a:t>Старайтесь избегать больше двух слагаемых </a:t>
-            </a:r>
-            <a:r>
-              <a:rPr lang="en-US" dirty="0" smtClean="0">
-                <a:cs typeface="Times New Roman" panose="02020603050405020304" pitchFamily="18" charset="0"/>
-              </a:rPr>
-              <a:t>AR+MA</a:t>
-            </a:r>
-          </a:p>
-          <a:p>
-            <a:pPr marL="971550" lvl="1" indent="-514350">
-              <a:buFont typeface="+mj-lt"/>
-              <a:buAutoNum type="arabicPeriod"/>
-            </a:pPr>
-            <a:r>
-              <a:rPr lang="ru-RU" dirty="0" smtClean="0"/>
-              <a:t>Вводить сезонную составляющую нужно если есть нестационарный тренд</a:t>
-            </a:r>
-          </a:p>
-          <a:p>
-            <a:pPr marL="971550" lvl="1" indent="-514350">
-              <a:buFont typeface="+mj-lt"/>
-              <a:buAutoNum type="arabicPeriod"/>
-            </a:pPr>
-            <a:endParaRPr lang="ru-RU" dirty="0">
-              <a:cs typeface="Times New Roman" panose="02020603050405020304" pitchFamily="18" charset="0"/>
-            </a:endParaRPr>
-          </a:p>
-        </p:txBody>
-      </p:sp>
-    </p:spTree>
-    <p:extLst>
-      <p:ext uri="{BB962C8B-B14F-4D97-AF65-F5344CB8AC3E}">
-        <p14:creationId xmlns:p14="http://schemas.microsoft.com/office/powerpoint/2010/main" val="1658702063"/>
-      </p:ext>
-    </p:extLst>
-  </p:cSld>
-  <p:clrMapOvr>
-    <a:masterClrMapping/>
-  </p:clrMapOvr>
-  <mc:AlternateContent xmlns:mc="http://schemas.openxmlformats.org/markup-compatibility/2006" xmlns:p14="http://schemas.microsoft.com/office/powerpoint/2010/main">
-    <mc:Choice Requires="p14">
-      <p:transition spd="slow" p14:dur="2000"/>
-    </mc:Choice>
-    <mc:Fallback xmlns="">
-      <p:transition spd="slow"/>
-    </mc:Fallback>
-  </mc:AlternateContent>
-</p:sld>
-</file>
-
 <file path=ppt/slides/slide3.xml><?xml version="1.0" encoding="utf-8"?>
 <p:sld xmlns:a="http://schemas.openxmlformats.org/drawingml/2006/main" xmlns:r="http://schemas.openxmlformats.org/officeDocument/2006/relationships" xmlns:p="http://schemas.openxmlformats.org/presentationml/2006/main">
   <p:cSld>
